--- a/Templates/testmercredi.pptx
+++ b/Templates/testmercredi.pptx
@@ -232,7 +232,7 @@
           <a:p>
             <a:fld id="{515CCE07-1711-4DC7-A7D8-7ED312C82FB8}" type="datetimeFigureOut">
               <a:rPr lang="fr-FR" smtClean="0"/>
-              <a:t>22/03/2022</a:t>
+              <a:t>31/03/2022</a:t>
             </a:fld>
             <a:endParaRPr lang="fr-FR"/>
           </a:p>
@@ -397,7 +397,7 @@
           <a:p>
             <a:fld id="{014ABEAC-8B63-4BD1-9569-A14EB8752A94}" type="datetimeFigureOut">
               <a:rPr lang="fr-FR" smtClean="0"/>
-              <a:t>22/03/2022</a:t>
+              <a:t>31/03/2022</a:t>
             </a:fld>
             <a:endParaRPr lang="fr-FR"/>
           </a:p>
@@ -5056,8 +5056,8 @@
         </p:nvSpPr>
         <p:spPr>
           <a:xfrm>
-            <a:off x="1277442" y="5895643"/>
-            <a:ext cx="5021862" cy="945625"/>
+            <a:off x="1277442" y="6422305"/>
+            <a:ext cx="5021862" cy="548640"/>
           </a:xfrm>
           <a:prstGeom prst="rect">
             <a:avLst/>
@@ -5242,6 +5242,9 @@
               <a:lnSpc>
                 <a:spcPct val="100000"/>
               </a:lnSpc>
+              <a:spcBef>
+                <a:spcPts val="0"/>
+              </a:spcBef>
               <a:buNone/>
             </a:pPr>
             <a:r>
@@ -5254,6 +5257,9 @@
               <a:lnSpc>
                 <a:spcPct val="100000"/>
               </a:lnSpc>
+              <a:spcBef>
+                <a:spcPts val="0"/>
+              </a:spcBef>
               <a:buNone/>
             </a:pPr>
             <a:r>
@@ -5266,6 +5272,9 @@
               <a:lnSpc>
                 <a:spcPct val="100000"/>
               </a:lnSpc>
+              <a:spcBef>
+                <a:spcPts val="0"/>
+              </a:spcBef>
               <a:buNone/>
             </a:pPr>
             <a:r>
@@ -5278,6 +5287,9 @@
               <a:lnSpc>
                 <a:spcPct val="100000"/>
               </a:lnSpc>
+              <a:spcBef>
+                <a:spcPts val="0"/>
+              </a:spcBef>
               <a:buNone/>
             </a:pPr>
             <a:r>
@@ -5323,8 +5335,8 @@
         </p:nvSpPr>
         <p:spPr>
           <a:xfrm>
-            <a:off x="1272972" y="3390990"/>
-            <a:ext cx="5030802" cy="945625"/>
+            <a:off x="1272972" y="3438553"/>
+            <a:ext cx="5030802" cy="548640"/>
           </a:xfrm>
           <a:prstGeom prst="rect">
             <a:avLst/>
@@ -5509,6 +5521,9 @@
               <a:lnSpc>
                 <a:spcPct val="100000"/>
               </a:lnSpc>
+              <a:spcBef>
+                <a:spcPts val="0"/>
+              </a:spcBef>
               <a:buNone/>
             </a:pPr>
             <a:r>
@@ -5521,6 +5536,9 @@
               <a:lnSpc>
                 <a:spcPct val="100000"/>
               </a:lnSpc>
+              <a:spcBef>
+                <a:spcPts val="0"/>
+              </a:spcBef>
               <a:buNone/>
             </a:pPr>
             <a:r>
@@ -5533,6 +5551,9 @@
               <a:lnSpc>
                 <a:spcPct val="100000"/>
               </a:lnSpc>
+              <a:spcBef>
+                <a:spcPts val="0"/>
+              </a:spcBef>
               <a:buNone/>
             </a:pPr>
             <a:r>
@@ -5545,6 +5566,9 @@
               <a:lnSpc>
                 <a:spcPct val="100000"/>
               </a:lnSpc>
+              <a:spcBef>
+                <a:spcPts val="0"/>
+              </a:spcBef>
               <a:buNone/>
             </a:pPr>
             <a:r>
@@ -5608,7 +5632,7 @@
         </p:nvSpPr>
         <p:spPr>
           <a:xfrm>
-            <a:off x="910052" y="2390255"/>
+            <a:off x="910052" y="2345793"/>
             <a:ext cx="6005163" cy="738664"/>
           </a:xfrm>
           <a:prstGeom prst="rect">
@@ -5757,7 +5781,7 @@
         </p:nvSpPr>
         <p:spPr>
           <a:xfrm>
-            <a:off x="646631" y="4728226"/>
+            <a:off x="646631" y="4849273"/>
             <a:ext cx="3307879" cy="141412"/>
           </a:xfrm>
           <a:prstGeom prst="rect">
@@ -5959,7 +5983,7 @@
         </p:nvSpPr>
         <p:spPr>
           <a:xfrm>
-            <a:off x="910052" y="5002169"/>
+            <a:off x="910052" y="5344781"/>
             <a:ext cx="6005163" cy="246221"/>
           </a:xfrm>
           <a:prstGeom prst="rect">
@@ -6015,7 +6039,7 @@
         </p:nvSpPr>
         <p:spPr>
           <a:xfrm>
-            <a:off x="908733" y="5510461"/>
+            <a:off x="908733" y="5945098"/>
             <a:ext cx="6073677" cy="123111"/>
           </a:xfrm>
           <a:prstGeom prst="rect">
@@ -6095,7 +6119,7 @@
         </p:nvSpPr>
         <p:spPr>
           <a:xfrm>
-            <a:off x="917672" y="8265330"/>
+            <a:off x="917672" y="8553774"/>
             <a:ext cx="6073677" cy="123111"/>
           </a:xfrm>
           <a:prstGeom prst="rect">
@@ -6161,8 +6185,8 @@
         </p:nvSpPr>
         <p:spPr>
           <a:xfrm>
-            <a:off x="1186722" y="8773619"/>
-            <a:ext cx="5203302" cy="740441"/>
+            <a:off x="1186722" y="9030979"/>
+            <a:ext cx="5203302" cy="548640"/>
           </a:xfrm>
           <a:prstGeom prst="rect">
             <a:avLst/>
@@ -6412,6 +6436,9 @@
               <a:lnSpc>
                 <a:spcPct val="100000"/>
               </a:lnSpc>
+              <a:spcBef>
+                <a:spcPts val="0"/>
+              </a:spcBef>
               <a:buNone/>
             </a:pPr>
             <a:r>
@@ -6437,8 +6464,8 @@
         </p:nvSpPr>
         <p:spPr>
           <a:xfrm>
-            <a:off x="1277442" y="1440882"/>
-            <a:ext cx="5021862" cy="268517"/>
+            <a:off x="1277442" y="1298007"/>
+            <a:ext cx="5021862" cy="182880"/>
           </a:xfrm>
           <a:prstGeom prst="rect">
             <a:avLst/>
@@ -6880,7 +6907,7 @@
         </p:nvSpPr>
         <p:spPr>
           <a:xfrm>
-            <a:off x="648905" y="1971470"/>
+            <a:off x="648905" y="1834983"/>
             <a:ext cx="6189422" cy="156714"/>
           </a:xfrm>
           <a:prstGeom prst="rect">
@@ -7088,8 +7115,8 @@
         </p:nvSpPr>
         <p:spPr>
           <a:xfrm>
-            <a:off x="1273632" y="7611631"/>
-            <a:ext cx="5029482" cy="391628"/>
+            <a:off x="1273632" y="7925358"/>
+            <a:ext cx="5029482" cy="274320"/>
           </a:xfrm>
           <a:prstGeom prst="rect">
             <a:avLst/>
@@ -7272,7 +7299,7 @@
         </p:nvSpPr>
         <p:spPr>
           <a:xfrm>
-            <a:off x="904289" y="7103339"/>
+            <a:off x="904289" y="7325041"/>
             <a:ext cx="6353527" cy="246221"/>
           </a:xfrm>
           <a:prstGeom prst="rect">
@@ -7336,8 +7363,8 @@
         </p:nvSpPr>
         <p:spPr>
           <a:xfrm>
-            <a:off x="910052" y="4425767"/>
-            <a:ext cx="5389252" cy="153888"/>
+            <a:off x="910052" y="4341289"/>
+            <a:ext cx="6035040" cy="215444"/>
           </a:xfrm>
           <a:prstGeom prst="rect">
             <a:avLst/>
@@ -7351,10 +7378,10 @@
           <a:lstStyle/>
           <a:p>
             <a:r>
-              <a:rPr lang="fr-FR" sz="400" dirty="0"/>
+              <a:rPr lang="fr-FR" sz="800" dirty="0"/>
               <a:t>&lt;balisedeg2&gt;</a:t>
             </a:r>
-            <a:endParaRPr lang="en-US" sz="400" dirty="0"/>
+            <a:endParaRPr lang="en-US" sz="800" dirty="0"/>
           </a:p>
         </p:txBody>
       </p:sp>
@@ -8122,60 +8149,7 @@
                   <a:srgbClr val="000000"/>
                 </a:solidFill>
               </a:rPr>
-              <a:t>, si le mécanisme de remboursement anticipé n’a pas été activé au préalable, et si &lt;SJR1&gt; clôture à un &lt;SJR3&gt; supérieur ou égal à &lt;DBAC&gt; de son &lt;NDR&gt;, l’investisseur récupère alors l’intégralité de son capital initial, majorée d’un &lt;GC&gt; de &lt;CPN&gt; par &lt;F0&gt; &lt;F2&gt; depuis le &lt;DDCI&gt;</a:t>
-            </a:r>
-            <a:r>
-              <a:rPr lang="fr-FR" sz="800" baseline="30000" dirty="0">
-                <a:solidFill>
-                  <a:srgbClr val="000000"/>
-                </a:solidFill>
-              </a:rPr>
-              <a:t>  </a:t>
-            </a:r>
-            <a:r>
-              <a:rPr lang="fr-FR" sz="800" dirty="0">
-                <a:solidFill>
-                  <a:srgbClr val="000000"/>
-                </a:solidFill>
-              </a:rPr>
-              <a:t>(soit un &lt;GC&gt; de &lt;GCE&gt; et un Taux de Rendement Annuel net de </a:t>
-            </a:r>
-            <a:r>
-              <a:rPr lang="fr-FR" sz="800" dirty="0">
-                <a:solidFill>
-                  <a:srgbClr val="000000"/>
-                </a:solidFill>
-                <a:highlight>
-                  <a:srgbClr val="FFFF00"/>
-                </a:highlight>
-              </a:rPr>
-              <a:t>9,23</a:t>
-            </a:r>
-            <a:r>
-              <a:rPr lang="fr-FR" sz="800" dirty="0">
-                <a:solidFill>
-                  <a:srgbClr val="000000"/>
-                </a:solidFill>
-              </a:rPr>
-              <a:t>%</a:t>
-            </a:r>
-            <a:r>
-              <a:rPr lang="fr-FR" sz="800" baseline="30000" dirty="0">
-                <a:solidFill>
-                  <a:srgbClr val="000000"/>
-                </a:solidFill>
-                <a:ea typeface="SimSun" pitchFamily="2" charset="-122"/>
-                <a:cs typeface="Times New Roman" pitchFamily="18" charset="0"/>
-              </a:rPr>
-              <a:t>(2)</a:t>
-            </a:r>
-            <a:r>
-              <a:rPr lang="fr-FR" sz="800" dirty="0">
-                <a:solidFill>
-                  <a:srgbClr val="000000"/>
-                </a:solidFill>
-              </a:rPr>
-              <a:t>). &lt;baliseCM2&gt;</a:t>
+              <a:t>, si le mécanisme de remboursement anticipé n’a pas été activé au préalable, et si &lt;SJR1&gt; clôture à un &lt;SJR3&gt; supérieur ou égal à &lt;DBAC&gt; de son &lt;NDR&gt;, l’investisseur récupère alors l’intégralité de son capital initial, majorée d’un &lt;GC&gt; de &lt;CPN&gt; par &lt;F0&gt; &lt;F2&gt; depuis le &lt;DDCI&gt;  (soit un &lt;GC&gt; de &lt;GCE&gt; et un Taux de Rendement Annuel net de 9,23%(2)). &lt;baliseCM2&gt;</a:t>
             </a:r>
           </a:p>
           <a:p>
@@ -8190,21 +8164,13 @@
               <a:buChar char="•"/>
             </a:pPr>
             <a:r>
-              <a:rPr lang="fr-FR" sz="800">
+              <a:rPr lang="fr-FR" sz="800" dirty="0">
                 <a:solidFill>
                   <a:srgbClr val="000000"/>
                 </a:solidFill>
-                <a:highlight>
-                  <a:srgbClr val="00FFFF"/>
-                </a:highlight>
               </a:rPr>
               <a:t>&lt;baliseCM22&gt;</a:t>
             </a:r>
-            <a:endParaRPr lang="fr-FR" sz="800" dirty="0">
-              <a:solidFill>
-                <a:srgbClr val="000000"/>
-              </a:solidFill>
-            </a:endParaRPr>
           </a:p>
           <a:p>
             <a:pPr marL="0" lvl="1" algn="just">
@@ -10339,7 +10305,7 @@
         </p:nvSpPr>
         <p:spPr>
           <a:xfrm>
-            <a:off x="4139803" y="7334571"/>
+            <a:off x="4008562" y="7334571"/>
             <a:ext cx="3239378" cy="1308050"/>
           </a:xfrm>
           <a:prstGeom prst="rect">
@@ -19768,15 +19734,6 @@
 </file>
 
 <file path=customXml/item1.xml><?xml version="1.0" encoding="utf-8"?>
-<?mso-contentType ?>
-<FormTemplates xmlns="http://schemas.microsoft.com/sharepoint/v3/contenttype/forms">
-  <Display>DocumentLibraryForm</Display>
-  <Edit>DocumentLibraryForm</Edit>
-  <New>DocumentLibraryForm</New>
-</FormTemplates>
-</file>
-
-<file path=customXml/item2.xml><?xml version="1.0" encoding="utf-8"?>
 <ct:contentTypeSchema xmlns:ct="http://schemas.microsoft.com/office/2006/metadata/contentType" xmlns:ma="http://schemas.microsoft.com/office/2006/metadata/properties/metaAttributes" ct:_="" ma:_="" ma:contentTypeName="Document" ma:contentTypeID="0x0101005DDE610BC516E448BB8152259F39635A" ma:contentTypeVersion="13" ma:contentTypeDescription="Crée un document." ma:contentTypeScope="" ma:versionID="4e51a0dab1f5d4663d954168d546c586">
   <xsd:schema xmlns:xsd="http://www.w3.org/2001/XMLSchema" xmlns:xs="http://www.w3.org/2001/XMLSchema" xmlns:p="http://schemas.microsoft.com/office/2006/metadata/properties" xmlns:ns2="ef624bc2-1644-4d69-8362-5c28ca496374" xmlns:ns3="514a554b-82b0-4359-b247-fc84018a95f0" targetNamespace="http://schemas.microsoft.com/office/2006/metadata/properties" ma:root="true" ma:fieldsID="d7b51e5f287975310341ecd8502634d3" ns2:_="" ns3:_="">
     <xsd:import namespace="ef624bc2-1644-4d69-8362-5c28ca496374"/>
@@ -19999,7 +19956,7 @@
 </ct:contentTypeSchema>
 </file>
 
-<file path=customXml/item3.xml><?xml version="1.0" encoding="utf-8"?>
+<file path=customXml/item2.xml><?xml version="1.0" encoding="utf-8"?>
 <p:properties xmlns:p="http://schemas.microsoft.com/office/2006/metadata/properties" xmlns:xsi="http://www.w3.org/2001/XMLSchema-instance" xmlns:pc="http://schemas.microsoft.com/office/infopath/2007/PartnerControls">
   <documentManagement>
     <_Flow_SignoffStatus xmlns="ef624bc2-1644-4d69-8362-5c28ca496374" xsi:nil="true"/>
@@ -20007,15 +19964,16 @@
 </p:properties>
 </file>
 
-<file path=customXml/itemProps1.xml><?xml version="1.0" encoding="utf-8"?>
-<ds:datastoreItem xmlns:ds="http://schemas.openxmlformats.org/officeDocument/2006/customXml" ds:itemID="{B00FC41E-FBDE-42E2-B58A-20EBD240A376}">
-  <ds:schemaRefs>
-    <ds:schemaRef ds:uri="http://schemas.microsoft.com/sharepoint/v3/contenttype/forms"/>
-  </ds:schemaRefs>
-</ds:datastoreItem>
+<file path=customXml/item3.xml><?xml version="1.0" encoding="utf-8"?>
+<?mso-contentType ?>
+<FormTemplates xmlns="http://schemas.microsoft.com/sharepoint/v3/contenttype/forms">
+  <Display>DocumentLibraryForm</Display>
+  <Edit>DocumentLibraryForm</Edit>
+  <New>DocumentLibraryForm</New>
+</FormTemplates>
 </file>
 
-<file path=customXml/itemProps2.xml><?xml version="1.0" encoding="utf-8"?>
+<file path=customXml/itemProps1.xml><?xml version="1.0" encoding="utf-8"?>
 <ds:datastoreItem xmlns:ds="http://schemas.openxmlformats.org/officeDocument/2006/customXml" ds:itemID="{41EF0323-6FE8-41A6-BEA1-CC5178579BBD}">
   <ds:schemaRefs>
     <ds:schemaRef ds:uri="http://schemas.microsoft.com/office/2006/metadata/contentType"/>
@@ -20034,7 +19992,7 @@
 </ds:datastoreItem>
 </file>
 
-<file path=customXml/itemProps3.xml><?xml version="1.0" encoding="utf-8"?>
+<file path=customXml/itemProps2.xml><?xml version="1.0" encoding="utf-8"?>
 <ds:datastoreItem xmlns:ds="http://schemas.openxmlformats.org/officeDocument/2006/customXml" ds:itemID="{25DE574B-2CD2-4078-9BEA-2A14717D9698}">
   <ds:schemaRefs>
     <ds:schemaRef ds:uri="http://schemas.microsoft.com/office/2006/documentManagement/types"/>
@@ -20049,4 +20007,12 @@
     <ds:schemaRef ds:uri="http://purl.org/dc/elements/1.1/"/>
   </ds:schemaRefs>
 </ds:datastoreItem>
+</file>
+
+<file path=customXml/itemProps3.xml><?xml version="1.0" encoding="utf-8"?>
+<ds:datastoreItem xmlns:ds="http://schemas.openxmlformats.org/officeDocument/2006/customXml" ds:itemID="{B00FC41E-FBDE-42E2-B58A-20EBD240A376}">
+  <ds:schemaRefs>
+    <ds:schemaRef ds:uri="http://schemas.microsoft.com/sharepoint/v3/contenttype/forms"/>
+  </ds:schemaRefs>
+</ds:datastoreItem>
 </file>
--- a/Templates/testmercredi.pptx
+++ b/Templates/testmercredi.pptx
@@ -232,7 +232,7 @@
           <a:p>
             <a:fld id="{515CCE07-1711-4DC7-A7D8-7ED312C82FB8}" type="datetimeFigureOut">
               <a:rPr lang="fr-FR" smtClean="0"/>
-              <a:t>31/03/2022</a:t>
+              <a:t>01/04/2022</a:t>
             </a:fld>
             <a:endParaRPr lang="fr-FR"/>
           </a:p>
@@ -397,7 +397,7 @@
           <a:p>
             <a:fld id="{014ABEAC-8B63-4BD1-9569-A14EB8752A94}" type="datetimeFigureOut">
               <a:rPr lang="fr-FR" smtClean="0"/>
-              <a:t>31/03/2022</a:t>
+              <a:t>01/04/2022</a:t>
             </a:fld>
             <a:endParaRPr lang="fr-FR"/>
           </a:p>
@@ -2388,7 +2388,7 @@
                 </a:solidFill>
                 <a:latin typeface="Futura PT" panose="020B0902020204020203" pitchFamily="34" charset="0"/>
               </a:rPr>
-              <a:t>&lt;NOM&gt;</a:t>
+              <a:t>&lt;NOMP1&gt;</a:t>
             </a:r>
           </a:p>
         </p:txBody>
@@ -10821,7 +10821,7 @@
               <a:rPr lang="fr-FR" sz="1200" cap="none" dirty="0">
                 <a:latin typeface="Futura PT" panose="020B0902020204020203" pitchFamily="34" charset="0"/>
               </a:rPr>
-              <a:t>ZOOM SUR &lt;NOMSOUSJACENT&gt;</a:t>
+              <a:t>ZOOM SUR &lt;NOMSOUSJACENTP1&gt;</a:t>
             </a:r>
           </a:p>
         </p:txBody>
@@ -11964,7 +11964,19 @@
               <a:rPr lang="fr-FR" sz="1200" cap="none" dirty="0">
                 <a:latin typeface="Futura PT" panose="020B0902020204020203" pitchFamily="34" charset="0"/>
               </a:rPr>
-              <a:t>ÉVOLUTION &lt;SJR6&gt; &lt;NOMSOUSJACENT&gt; ENTRE LE JJ/MM/AAAA ET LE JJ/MM/AAAA </a:t>
+              <a:t>ÉVOLUTION &lt;SJR6P1&gt; </a:t>
+            </a:r>
+            <a:r>
+              <a:rPr lang="fr-FR" sz="1200" cap="none">
+                <a:latin typeface="Futura PT" panose="020B0902020204020203" pitchFamily="34" charset="0"/>
+              </a:rPr>
+              <a:t>&lt;NOMSOUSJACENTP1&gt; </a:t>
+            </a:r>
+            <a:r>
+              <a:rPr lang="fr-FR" sz="1200" cap="none" dirty="0">
+                <a:latin typeface="Futura PT" panose="020B0902020204020203" pitchFamily="34" charset="0"/>
+              </a:rPr>
+              <a:t>ENTRE LE JJ/MM/AAAA ET LE JJ/MM/AAAA </a:t>
             </a:r>
           </a:p>
         </p:txBody>
@@ -19734,6 +19746,23 @@
 </file>
 
 <file path=customXml/item1.xml><?xml version="1.0" encoding="utf-8"?>
+<?mso-contentType ?>
+<FormTemplates xmlns="http://schemas.microsoft.com/sharepoint/v3/contenttype/forms">
+  <Display>DocumentLibraryForm</Display>
+  <Edit>DocumentLibraryForm</Edit>
+  <New>DocumentLibraryForm</New>
+</FormTemplates>
+</file>
+
+<file path=customXml/item2.xml><?xml version="1.0" encoding="utf-8"?>
+<p:properties xmlns:p="http://schemas.microsoft.com/office/2006/metadata/properties" xmlns:xsi="http://www.w3.org/2001/XMLSchema-instance" xmlns:pc="http://schemas.microsoft.com/office/infopath/2007/PartnerControls">
+  <documentManagement>
+    <_Flow_SignoffStatus xmlns="ef624bc2-1644-4d69-8362-5c28ca496374" xsi:nil="true"/>
+  </documentManagement>
+</p:properties>
+</file>
+
+<file path=customXml/item3.xml><?xml version="1.0" encoding="utf-8"?>
 <ct:contentTypeSchema xmlns:ct="http://schemas.microsoft.com/office/2006/metadata/contentType" xmlns:ma="http://schemas.microsoft.com/office/2006/metadata/properties/metaAttributes" ct:_="" ma:_="" ma:contentTypeName="Document" ma:contentTypeID="0x0101005DDE610BC516E448BB8152259F39635A" ma:contentTypeVersion="13" ma:contentTypeDescription="Crée un document." ma:contentTypeScope="" ma:versionID="4e51a0dab1f5d4663d954168d546c586">
   <xsd:schema xmlns:xsd="http://www.w3.org/2001/XMLSchema" xmlns:xs="http://www.w3.org/2001/XMLSchema" xmlns:p="http://schemas.microsoft.com/office/2006/metadata/properties" xmlns:ns2="ef624bc2-1644-4d69-8362-5c28ca496374" xmlns:ns3="514a554b-82b0-4359-b247-fc84018a95f0" targetNamespace="http://schemas.microsoft.com/office/2006/metadata/properties" ma:root="true" ma:fieldsID="d7b51e5f287975310341ecd8502634d3" ns2:_="" ns3:_="">
     <xsd:import namespace="ef624bc2-1644-4d69-8362-5c28ca496374"/>
@@ -19956,38 +19985,10 @@
 </ct:contentTypeSchema>
 </file>
 
-<file path=customXml/item2.xml><?xml version="1.0" encoding="utf-8"?>
-<p:properties xmlns:p="http://schemas.microsoft.com/office/2006/metadata/properties" xmlns:xsi="http://www.w3.org/2001/XMLSchema-instance" xmlns:pc="http://schemas.microsoft.com/office/infopath/2007/PartnerControls">
-  <documentManagement>
-    <_Flow_SignoffStatus xmlns="ef624bc2-1644-4d69-8362-5c28ca496374" xsi:nil="true"/>
-  </documentManagement>
-</p:properties>
-</file>
-
-<file path=customXml/item3.xml><?xml version="1.0" encoding="utf-8"?>
-<?mso-contentType ?>
-<FormTemplates xmlns="http://schemas.microsoft.com/sharepoint/v3/contenttype/forms">
-  <Display>DocumentLibraryForm</Display>
-  <Edit>DocumentLibraryForm</Edit>
-  <New>DocumentLibraryForm</New>
-</FormTemplates>
-</file>
-
 <file path=customXml/itemProps1.xml><?xml version="1.0" encoding="utf-8"?>
-<ds:datastoreItem xmlns:ds="http://schemas.openxmlformats.org/officeDocument/2006/customXml" ds:itemID="{41EF0323-6FE8-41A6-BEA1-CC5178579BBD}">
+<ds:datastoreItem xmlns:ds="http://schemas.openxmlformats.org/officeDocument/2006/customXml" ds:itemID="{B00FC41E-FBDE-42E2-B58A-20EBD240A376}">
   <ds:schemaRefs>
-    <ds:schemaRef ds:uri="http://schemas.microsoft.com/office/2006/metadata/contentType"/>
-    <ds:schemaRef ds:uri="http://schemas.microsoft.com/office/2006/metadata/properties/metaAttributes"/>
-    <ds:schemaRef ds:uri="http://www.w3.org/2001/XMLSchema"/>
-    <ds:schemaRef ds:uri="http://schemas.microsoft.com/office/2006/metadata/properties"/>
-    <ds:schemaRef ds:uri="ef624bc2-1644-4d69-8362-5c28ca496374"/>
-    <ds:schemaRef ds:uri="514a554b-82b0-4359-b247-fc84018a95f0"/>
-    <ds:schemaRef ds:uri="http://schemas.microsoft.com/office/2006/documentManagement/types"/>
-    <ds:schemaRef ds:uri="http://schemas.microsoft.com/office/infopath/2007/PartnerControls"/>
-    <ds:schemaRef ds:uri="http://schemas.openxmlformats.org/package/2006/metadata/core-properties"/>
-    <ds:schemaRef ds:uri="http://purl.org/dc/elements/1.1/"/>
-    <ds:schemaRef ds:uri="http://purl.org/dc/terms/"/>
-    <ds:schemaRef ds:uri="http://schemas.microsoft.com/internal/obd"/>
+    <ds:schemaRef ds:uri="http://schemas.microsoft.com/sharepoint/v3/contenttype/forms"/>
   </ds:schemaRefs>
 </ds:datastoreItem>
 </file>
@@ -20010,9 +20011,20 @@
 </file>
 
 <file path=customXml/itemProps3.xml><?xml version="1.0" encoding="utf-8"?>
-<ds:datastoreItem xmlns:ds="http://schemas.openxmlformats.org/officeDocument/2006/customXml" ds:itemID="{B00FC41E-FBDE-42E2-B58A-20EBD240A376}">
+<ds:datastoreItem xmlns:ds="http://schemas.openxmlformats.org/officeDocument/2006/customXml" ds:itemID="{41EF0323-6FE8-41A6-BEA1-CC5178579BBD}">
   <ds:schemaRefs>
-    <ds:schemaRef ds:uri="http://schemas.microsoft.com/sharepoint/v3/contenttype/forms"/>
+    <ds:schemaRef ds:uri="http://schemas.microsoft.com/office/2006/metadata/contentType"/>
+    <ds:schemaRef ds:uri="http://schemas.microsoft.com/office/2006/metadata/properties/metaAttributes"/>
+    <ds:schemaRef ds:uri="http://www.w3.org/2001/XMLSchema"/>
+    <ds:schemaRef ds:uri="http://schemas.microsoft.com/office/2006/metadata/properties"/>
+    <ds:schemaRef ds:uri="ef624bc2-1644-4d69-8362-5c28ca496374"/>
+    <ds:schemaRef ds:uri="514a554b-82b0-4359-b247-fc84018a95f0"/>
+    <ds:schemaRef ds:uri="http://schemas.microsoft.com/office/2006/documentManagement/types"/>
+    <ds:schemaRef ds:uri="http://schemas.microsoft.com/office/infopath/2007/PartnerControls"/>
+    <ds:schemaRef ds:uri="http://schemas.openxmlformats.org/package/2006/metadata/core-properties"/>
+    <ds:schemaRef ds:uri="http://purl.org/dc/elements/1.1/"/>
+    <ds:schemaRef ds:uri="http://purl.org/dc/terms/"/>
+    <ds:schemaRef ds:uri="http://schemas.microsoft.com/internal/obd"/>
   </ds:schemaRefs>
 </ds:datastoreItem>
 </file>
--- a/Templates/testmercredi.pptx
+++ b/Templates/testmercredi.pptx
@@ -403,7 +403,7 @@
           <a:p>
             <a:fld id="{515CCE07-1711-4DC7-A7D8-7ED312C82FB8}" type="datetimeFigureOut">
               <a:rPr lang="fr-FR" smtClean="0"/>
-              <a:t>03/05/2022</a:t>
+              <a:t>04/05/2022</a:t>
             </a:fld>
             <a:endParaRPr lang="fr-FR"/>
           </a:p>
@@ -568,7 +568,7 @@
           <a:p>
             <a:fld id="{014ABEAC-8B63-4BD1-9569-A14EB8752A94}" type="datetimeFigureOut">
               <a:rPr lang="fr-FR" smtClean="0"/>
-              <a:t>03/05/2022</a:t>
+              <a:t>04/05/2022</a:t>
             </a:fld>
             <a:endParaRPr lang="fr-FR"/>
           </a:p>
@@ -4353,7 +4353,7 @@
           <a:lstStyle/>
           <a:p>
             <a:r>
-              <a:rPr lang="fr-FR"/>
+              <a:rPr lang="fr-FR" dirty="0"/>
               <a:t>&lt;graph2&gt;</a:t>
             </a:r>
             <a:endParaRPr lang="en-US" dirty="0"/>
@@ -4619,7 +4619,16 @@
               <a:rPr lang="fr-FR" sz="1200" cap="none" dirty="0">
                 <a:latin typeface="Futura PT" panose="020B0902020204020203" pitchFamily="34" charset="0"/>
               </a:rPr>
-              <a:t>ZOOM SUR &lt;NOMSOUSJACENTP1&gt;</a:t>
+              <a:t>ZOOM SUR </a:t>
+            </a:r>
+            <a:r>
+              <a:rPr lang="fr-FR" sz="1200" cap="none" dirty="0">
+                <a:solidFill>
+                  <a:srgbClr val="B9A049"/>
+                </a:solidFill>
+                <a:latin typeface="Futura PT" panose="020B0902020204020203" pitchFamily="34" charset="0"/>
+              </a:rPr>
+              <a:t>&lt;NOMSOUSJACENTP1&gt;</a:t>
             </a:r>
           </a:p>
         </p:txBody>
@@ -5745,7 +5754,7 @@
         <p:spPr>
           <a:xfrm>
             <a:off x="458462" y="4382561"/>
-            <a:ext cx="7248779" cy="276999"/>
+            <a:ext cx="7248779" cy="553998"/>
           </a:xfrm>
           <a:prstGeom prst="rect">
             <a:avLst/>
@@ -5765,9 +5774,7 @@
               <a:t>ÉVOLUTION &lt;SJR6P1&gt; </a:t>
             </a:r>
             <a:r>
-              <a:rPr lang="fr-FR" sz="1200" cap="none">
-                <a:latin typeface="Futura PT" panose="020B0902020204020203" pitchFamily="34" charset="0"/>
-              </a:rPr>
+              <a:rPr lang="fr-FR" dirty="0"/>
               <a:t>&lt;NOMSOUSJACENTP1&gt; </a:t>
             </a:r>
             <a:r>
@@ -18282,7 +18289,7 @@
                   <a:schemeClr val="tx2"/>
                 </a:solidFill>
               </a:rPr>
-              <a:t>clôture à un &lt;SJR3&gt; strictement inférieur à &lt;PDI&gt; de son &lt;SJR3&gt; de Référence, l’investisseur reçoit, le &lt;DEC_MAJ&gt;</a:t>
+              <a:t>clôture à un &lt;SJR3&gt; strictement inférieur à &lt;PDI&gt; de son &lt;SJR3&gt; de Référence, l’investisseur reçoit, le &lt;DEC_MAJ&gt; :</a:t>
             </a:r>
           </a:p>
         </p:txBody>
@@ -18994,7 +19001,7 @@
           <a:p>
             <a:pPr lvl="1"/>
             <a:r>
-              <a:rPr lang="fr-FR" sz="900" b="1" cap="none" dirty="0">
+              <a:rPr lang="fr-FR" sz="1100" b="1" cap="none" dirty="0">
                 <a:solidFill>
                   <a:srgbClr val="B9A049"/>
                 </a:solidFill>
@@ -24306,7 +24313,7 @@
         <p:spPr>
           <a:xfrm>
             <a:off x="361950" y="960898"/>
-            <a:ext cx="6837887" cy="6842771"/>
+            <a:ext cx="6837887" cy="7398820"/>
           </a:xfrm>
           <a:prstGeom prst="rect">
             <a:avLst/>
@@ -24328,7 +24335,7 @@
               </a:spcBef>
             </a:pPr>
             <a:r>
-              <a:rPr lang="fr-FR" sz="1000" b="1" dirty="0">
+              <a:rPr lang="fr-FR" sz="1200" b="1" dirty="0">
                 <a:solidFill>
                   <a:srgbClr val="B9A049"/>
                 </a:solidFill>
@@ -24522,7 +24529,7 @@
               </a:spcBef>
             </a:pPr>
             <a:r>
-              <a:rPr lang="fr-FR" sz="1000" b="1" dirty="0">
+              <a:rPr lang="fr-FR" sz="1200" b="1" dirty="0">
                 <a:solidFill>
                   <a:srgbClr val="B9A049"/>
                 </a:solidFill>
@@ -24949,12 +24956,53 @@
               <a:buNone/>
             </a:pPr>
             <a:r>
-              <a:rPr lang="fr-FR" sz="1000" b="1" dirty="0">
+              <a:rPr lang="fr-FR" sz="1200" b="1" dirty="0">
                 <a:solidFill>
                   <a:srgbClr val="B9A049"/>
                 </a:solidFill>
               </a:rPr>
               <a:t>PRINCIPAUX FACTEURS DE RISQUES</a:t>
+            </a:r>
+          </a:p>
+          <a:p>
+            <a:pPr marL="0" lvl="1" indent="0" algn="just">
+              <a:lnSpc>
+                <a:spcPct val="95000"/>
+              </a:lnSpc>
+              <a:spcBef>
+                <a:spcPts val="600"/>
+              </a:spcBef>
+              <a:spcAft>
+                <a:spcPts val="200"/>
+              </a:spcAft>
+              <a:buNone/>
+            </a:pPr>
+            <a:endParaRPr lang="fr-FR" sz="1000" b="1" i="1" dirty="0">
+              <a:solidFill>
+                <a:srgbClr val="B9A049"/>
+              </a:solidFill>
+            </a:endParaRPr>
+          </a:p>
+          <a:p>
+            <a:pPr marL="0" lvl="1" indent="0" algn="just">
+              <a:lnSpc>
+                <a:spcPct val="95000"/>
+              </a:lnSpc>
+              <a:spcBef>
+                <a:spcPts val="600"/>
+              </a:spcBef>
+              <a:spcAft>
+                <a:spcPts val="200"/>
+              </a:spcAft>
+              <a:buNone/>
+            </a:pPr>
+            <a:r>
+              <a:rPr lang="fr-FR" sz="800" i="1" dirty="0">
+                <a:solidFill>
+                  <a:srgbClr val="000000"/>
+                </a:solidFill>
+              </a:rPr>
+              <a:t>Les investisseurs sont invités à lire attentivement la section « Facteurs de Risques » du Prospectus de base.</a:t>
             </a:r>
           </a:p>
           <a:p>
@@ -24963,14 +25011,11 @@
                 <a:spcPct val="95000"/>
               </a:lnSpc>
             </a:pPr>
-            <a:r>
-              <a:rPr lang="fr-FR" sz="800" i="1" dirty="0">
-                <a:solidFill>
-                  <a:srgbClr val="000000"/>
-                </a:solidFill>
-              </a:rPr>
-              <a:t>Les investisseurs sont invités à lire attentivement la section « Facteurs de Risques » du Prospectus de base. </a:t>
-            </a:r>
+            <a:endParaRPr lang="fr-FR" sz="800" i="1" dirty="0">
+              <a:solidFill>
+                <a:srgbClr val="000000"/>
+              </a:solidFill>
+            </a:endParaRPr>
           </a:p>
           <a:p>
             <a:pPr algn="just">
@@ -26938,7 +26983,7 @@
                 </a:highlight>
                 <a:latin typeface="+mn-lt"/>
               </a:rPr>
-              <a:t>&lt;SJR1&gt;</a:t>
+              <a:t>&lt;SJR1&gt;.</a:t>
             </a:r>
             <a:endParaRPr lang="fr-FR" sz="650" dirty="0">
               <a:solidFill>
@@ -27266,7 +27311,7 @@
         <p:spPr>
           <a:xfrm>
             <a:off x="458460" y="1492210"/>
-            <a:ext cx="6741375" cy="123111"/>
+            <a:ext cx="6741375" cy="138499"/>
           </a:xfrm>
           <a:prstGeom prst="rect">
             <a:avLst/>
@@ -27281,15 +27326,16 @@
           <a:p>
             <a:pPr algn="just"/>
             <a:r>
-              <a:rPr lang="fr-FR" sz="800" b="1" dirty="0">
+              <a:rPr lang="fr-FR" sz="900" b="1" dirty="0">
                 <a:solidFill>
                   <a:srgbClr val="B9A049"/>
                 </a:solidFill>
+                <a:latin typeface="+mj-lt"/>
               </a:rPr>
               <a:t>SCÉNARIO DÉFAVORABLE </a:t>
             </a:r>
             <a:r>
-              <a:rPr lang="fr-FR" sz="800" dirty="0">
+              <a:rPr lang="fr-FR" sz="900" dirty="0">
                 <a:solidFill>
                   <a:srgbClr val="B9A049"/>
                 </a:solidFill>
@@ -27297,7 +27343,7 @@
               <a:t>: À la date de constatation finale</a:t>
             </a:r>
             <a:r>
-              <a:rPr lang="fr-FR" sz="800" baseline="30000" dirty="0">
+              <a:rPr lang="fr-FR" sz="900" baseline="30000" dirty="0">
                 <a:solidFill>
                   <a:srgbClr val="B9A049"/>
                 </a:solidFill>
@@ -27305,7 +27351,7 @@
               <a:t>(1)</a:t>
             </a:r>
             <a:r>
-              <a:rPr lang="fr-FR" sz="800" dirty="0">
+              <a:rPr lang="fr-FR" sz="900" dirty="0">
                 <a:solidFill>
                   <a:srgbClr val="B9A049"/>
                 </a:solidFill>
@@ -27360,9 +27406,15 @@
           <a:p>
             <a:r>
               <a:rPr lang="fr-FR" sz="800" dirty="0">
-                <a:latin typeface="+mn-lt"/>
-              </a:rPr>
-              <a:t>SCÉNARIO MÉDIAN : </a:t>
+                <a:latin typeface="+mj-lt"/>
+              </a:rPr>
+              <a:t>SCÉNARIO MÉDIAN </a:t>
+            </a:r>
+            <a:r>
+              <a:rPr lang="fr-FR" sz="800" dirty="0">
+                <a:latin typeface="+mn-lt"/>
+              </a:rPr>
+              <a:t>: </a:t>
             </a:r>
             <a:r>
               <a:rPr lang="fr-FR" sz="800" b="0" dirty="0">
@@ -28376,8 +28428,80 @@
           <a:lstStyle/>
           <a:p>
             <a:r>
+              <a:rPr lang="fr-FR" dirty="0"/>
+              <a:t>&lt;graph2&gt;</a:t>
+            </a:r>
+            <a:endParaRPr lang="en-US" dirty="0"/>
+          </a:p>
+        </p:txBody>
+      </p:sp>
+      <p:sp>
+        <p:nvSpPr>
+          <p:cNvPr id="17" name="ZoneTexte 16">
+            <a:extLst>
+              <a:ext uri="{FF2B5EF4-FFF2-40B4-BE49-F238E27FC236}">
+                <a16:creationId xmlns:a16="http://schemas.microsoft.com/office/drawing/2014/main" id="{6C6C129D-CB6A-B5A2-93D0-CB709078459F}"/>
+              </a:ext>
+            </a:extLst>
+          </p:cNvPr>
+          <p:cNvSpPr txBox="1"/>
+          <p:nvPr/>
+        </p:nvSpPr>
+        <p:spPr>
+          <a:xfrm>
+            <a:off x="771525" y="4913448"/>
+            <a:ext cx="4056380" cy="369332"/>
+          </a:xfrm>
+          <a:prstGeom prst="rect">
+            <a:avLst/>
+          </a:prstGeom>
+          <a:noFill/>
+        </p:spPr>
+        <p:txBody>
+          <a:bodyPr wrap="square">
+            <a:spAutoFit/>
+          </a:bodyPr>
+          <a:lstStyle/>
+          <a:p>
+            <a:r>
+              <a:rPr lang="fr-FR" dirty="0"/>
+              <a:t>&lt;graph3&gt;</a:t>
+            </a:r>
+            <a:endParaRPr lang="en-US" dirty="0"/>
+          </a:p>
+        </p:txBody>
+      </p:sp>
+      <p:sp>
+        <p:nvSpPr>
+          <p:cNvPr id="18" name="ZoneTexte 17">
+            <a:extLst>
+              <a:ext uri="{FF2B5EF4-FFF2-40B4-BE49-F238E27FC236}">
+                <a16:creationId xmlns:a16="http://schemas.microsoft.com/office/drawing/2014/main" id="{7AC81B8D-7EFC-E1A3-A147-8FC5ABFB9A37}"/>
+              </a:ext>
+            </a:extLst>
+          </p:cNvPr>
+          <p:cNvSpPr txBox="1"/>
+          <p:nvPr/>
+        </p:nvSpPr>
+        <p:spPr>
+          <a:xfrm>
+            <a:off x="771017" y="7745720"/>
+            <a:ext cx="4056888" cy="369332"/>
+          </a:xfrm>
+          <a:prstGeom prst="rect">
+            <a:avLst/>
+          </a:prstGeom>
+          <a:noFill/>
+        </p:spPr>
+        <p:txBody>
+          <a:bodyPr wrap="square">
+            <a:spAutoFit/>
+          </a:bodyPr>
+          <a:lstStyle/>
+          <a:p>
+            <a:r>
               <a:rPr lang="fr-FR"/>
-              <a:t>&lt;graph2&gt;</a:t>
+              <a:t>&lt;graph4&gt;</a:t>
             </a:r>
             <a:endParaRPr lang="en-US" dirty="0"/>
           </a:p>

--- a/Templates/testmercredi.pptx
+++ b/Templates/testmercredi.pptx
@@ -403,7 +403,7 @@
           <a:p>
             <a:fld id="{515CCE07-1711-4DC7-A7D8-7ED312C82FB8}" type="datetimeFigureOut">
               <a:rPr lang="fr-FR" smtClean="0"/>
-              <a:t>04/05/2022</a:t>
+              <a:t>06/05/2022</a:t>
             </a:fld>
             <a:endParaRPr lang="fr-FR"/>
           </a:p>
@@ -568,7 +568,7 @@
           <a:p>
             <a:fld id="{014ABEAC-8B63-4BD1-9569-A14EB8752A94}" type="datetimeFigureOut">
               <a:rPr lang="fr-FR" smtClean="0"/>
-              <a:t>04/05/2022</a:t>
+              <a:t>06/05/2022</a:t>
             </a:fld>
             <a:endParaRPr lang="fr-FR"/>
           </a:p>
@@ -18129,7 +18129,23 @@
                   <a:schemeClr val="tx2"/>
                 </a:solidFill>
               </a:rPr>
-              <a:t>À la date de constatation finale, le &lt;DCF&gt;, en l’absence de remboursement anticipé automatique préalable, on compare le &lt;SJR3&gt; de clôture &lt;SJR7&gt;</a:t>
+              <a:t>À la date de constatation finale, le </a:t>
+            </a:r>
+            <a:r>
+              <a:rPr lang="fr-FR" sz="800">
+                <a:solidFill>
+                  <a:schemeClr val="tx2"/>
+                </a:solidFill>
+              </a:rPr>
+              <a:t>&lt;DCFMAJ&gt;, </a:t>
+            </a:r>
+            <a:r>
+              <a:rPr lang="fr-FR" sz="800" dirty="0">
+                <a:solidFill>
+                  <a:schemeClr val="tx2"/>
+                </a:solidFill>
+              </a:rPr>
+              <a:t>en l’absence de remboursement anticipé automatique préalable, on compare le &lt;SJR3&gt; de clôture &lt;SJR7&gt;</a:t>
             </a:r>
             <a:r>
               <a:rPr lang="en-US" sz="800" dirty="0">
@@ -28258,18 +28274,10 @@
                   <a:schemeClr val="tx2"/>
                 </a:solidFill>
               </a:rPr>
-              <a:t>(&lt;NSF&gt; dans cet exemple). Le produit est automatiquement remboursé par anticipation. Il verse alors l’intégralité du capital initial majorée d’un &lt;GC&gt; de &lt;CPN&gt; par &lt;F0&gt; &lt;F2&gt; depuis le &lt;DDCI&gt;, soit un gain </a:t>
-            </a:r>
-            <a:r>
-              <a:rPr lang="fr-FR" sz="800">
-                <a:solidFill>
-                  <a:schemeClr val="tx2"/>
-                </a:solidFill>
-              </a:rPr>
-              <a:t>de </a:t>
-            </a:r>
-            <a:r>
-              <a:rPr lang="fr-FR" sz="800">
+              <a:t>(&lt;NSF&gt; dans cet exemple). Le produit est automatiquement remboursé par anticipation. Il verse alors l’intégralité du capital initial majorée d’un &lt;GC&gt; de &lt;CPN&gt; par &lt;F0&gt; &lt;F2&gt; depuis le &lt;DDCI&gt;, soit un gain de </a:t>
+            </a:r>
+            <a:r>
+              <a:rPr lang="fr-FR" sz="800" dirty="0">
                 <a:solidFill>
                   <a:schemeClr val="tx2"/>
                 </a:solidFill>
@@ -28280,20 +28288,12 @@
               <a:t>&lt;GCA&gt;</a:t>
             </a:r>
             <a:r>
-              <a:rPr lang="fr-FR" sz="800">
+              <a:rPr lang="fr-FR" sz="800" dirty="0">
                 <a:solidFill>
                   <a:schemeClr val="tx2"/>
                 </a:solidFill>
               </a:rPr>
-              <a:t> </a:t>
-            </a:r>
-            <a:r>
-              <a:rPr lang="fr-FR" sz="800" dirty="0">
-                <a:solidFill>
-                  <a:schemeClr val="tx2"/>
-                </a:solidFill>
-              </a:rPr>
-              <a:t>dans notre exemple.</a:t>
+              <a:t> dans notre exemple.</a:t>
             </a:r>
           </a:p>
           <a:p>
@@ -28394,7 +28394,7 @@
                   <a:schemeClr val="tx2"/>
                 </a:solidFill>
               </a:rPr>
-              <a:t>mécanisme de plafonnement des gains à &lt;CPN&gt; par &lt;F0&gt; &lt;F2&gt; depuis le &lt;DDCI&gt;.</a:t>
+              <a:t>mécanisme de plafonnement des gains à &lt;CPN&gt; par &lt;F0&gt; &lt;F2&gt; depuis le &lt;DDCIMAJ&gt;.</a:t>
             </a:r>
           </a:p>
         </p:txBody>
@@ -29252,6 +29252,14 @@
 </file>
 
 <file path=customXml/item1.xml><?xml version="1.0" encoding="utf-8"?>
+<p:properties xmlns:p="http://schemas.microsoft.com/office/2006/metadata/properties" xmlns:xsi="http://www.w3.org/2001/XMLSchema-instance" xmlns:pc="http://schemas.microsoft.com/office/infopath/2007/PartnerControls">
+  <documentManagement>
+    <_Flow_SignoffStatus xmlns="ef624bc2-1644-4d69-8362-5c28ca496374" xsi:nil="true"/>
+  </documentManagement>
+</p:properties>
+</file>
+
+<file path=customXml/item2.xml><?xml version="1.0" encoding="utf-8"?>
 <ct:contentTypeSchema xmlns:ct="http://schemas.microsoft.com/office/2006/metadata/contentType" xmlns:ma="http://schemas.microsoft.com/office/2006/metadata/properties/metaAttributes" ct:_="" ma:_="" ma:contentTypeName="Document" ma:contentTypeID="0x0101005DDE610BC516E448BB8152259F39635A" ma:contentTypeVersion="13" ma:contentTypeDescription="Crée un document." ma:contentTypeScope="" ma:versionID="4e51a0dab1f5d4663d954168d546c586">
   <xsd:schema xmlns:xsd="http://www.w3.org/2001/XMLSchema" xmlns:xs="http://www.w3.org/2001/XMLSchema" xmlns:p="http://schemas.microsoft.com/office/2006/metadata/properties" xmlns:ns2="ef624bc2-1644-4d69-8362-5c28ca496374" xmlns:ns3="514a554b-82b0-4359-b247-fc84018a95f0" targetNamespace="http://schemas.microsoft.com/office/2006/metadata/properties" ma:root="true" ma:fieldsID="d7b51e5f287975310341ecd8502634d3" ns2:_="" ns3:_="">
     <xsd:import namespace="ef624bc2-1644-4d69-8362-5c28ca496374"/>
@@ -29474,14 +29482,6 @@
 </ct:contentTypeSchema>
 </file>
 
-<file path=customXml/item2.xml><?xml version="1.0" encoding="utf-8"?>
-<p:properties xmlns:p="http://schemas.microsoft.com/office/2006/metadata/properties" xmlns:xsi="http://www.w3.org/2001/XMLSchema-instance" xmlns:pc="http://schemas.microsoft.com/office/infopath/2007/PartnerControls">
-  <documentManagement>
-    <_Flow_SignoffStatus xmlns="ef624bc2-1644-4d69-8362-5c28ca496374" xsi:nil="true"/>
-  </documentManagement>
-</p:properties>
-</file>
-
 <file path=customXml/item3.xml><?xml version="1.0" encoding="utf-8"?>
 <?mso-contentType ?>
 <FormTemplates xmlns="http://schemas.microsoft.com/sharepoint/v3/contenttype/forms">
@@ -29492,6 +29492,23 @@
 </file>
 
 <file path=customXml/itemProps1.xml><?xml version="1.0" encoding="utf-8"?>
+<ds:datastoreItem xmlns:ds="http://schemas.openxmlformats.org/officeDocument/2006/customXml" ds:itemID="{25DE574B-2CD2-4078-9BEA-2A14717D9698}">
+  <ds:schemaRefs>
+    <ds:schemaRef ds:uri="http://schemas.microsoft.com/office/2006/documentManagement/types"/>
+    <ds:schemaRef ds:uri="ef624bc2-1644-4d69-8362-5c28ca496374"/>
+    <ds:schemaRef ds:uri="http://purl.org/dc/terms/"/>
+    <ds:schemaRef ds:uri="http://purl.org/dc/dcmitype/"/>
+    <ds:schemaRef ds:uri="http://schemas.microsoft.com/office/infopath/2007/PartnerControls"/>
+    <ds:schemaRef ds:uri="http://schemas.openxmlformats.org/package/2006/metadata/core-properties"/>
+    <ds:schemaRef ds:uri="514a554b-82b0-4359-b247-fc84018a95f0"/>
+    <ds:schemaRef ds:uri="http://schemas.microsoft.com/office/2006/metadata/properties"/>
+    <ds:schemaRef ds:uri="http://www.w3.org/XML/1998/namespace"/>
+    <ds:schemaRef ds:uri="http://purl.org/dc/elements/1.1/"/>
+  </ds:schemaRefs>
+</ds:datastoreItem>
+</file>
+
+<file path=customXml/itemProps2.xml><?xml version="1.0" encoding="utf-8"?>
 <ds:datastoreItem xmlns:ds="http://schemas.openxmlformats.org/officeDocument/2006/customXml" ds:itemID="{41EF0323-6FE8-41A6-BEA1-CC5178579BBD}">
   <ds:schemaRefs>
     <ds:schemaRef ds:uri="http://schemas.microsoft.com/office/2006/metadata/contentType"/>
@@ -29510,23 +29527,6 @@
 </ds:datastoreItem>
 </file>
 
-<file path=customXml/itemProps2.xml><?xml version="1.0" encoding="utf-8"?>
-<ds:datastoreItem xmlns:ds="http://schemas.openxmlformats.org/officeDocument/2006/customXml" ds:itemID="{25DE574B-2CD2-4078-9BEA-2A14717D9698}">
-  <ds:schemaRefs>
-    <ds:schemaRef ds:uri="http://schemas.microsoft.com/office/2006/documentManagement/types"/>
-    <ds:schemaRef ds:uri="ef624bc2-1644-4d69-8362-5c28ca496374"/>
-    <ds:schemaRef ds:uri="http://purl.org/dc/terms/"/>
-    <ds:schemaRef ds:uri="http://purl.org/dc/dcmitype/"/>
-    <ds:schemaRef ds:uri="http://schemas.microsoft.com/office/infopath/2007/PartnerControls"/>
-    <ds:schemaRef ds:uri="http://schemas.openxmlformats.org/package/2006/metadata/core-properties"/>
-    <ds:schemaRef ds:uri="514a554b-82b0-4359-b247-fc84018a95f0"/>
-    <ds:schemaRef ds:uri="http://schemas.microsoft.com/office/2006/metadata/properties"/>
-    <ds:schemaRef ds:uri="http://www.w3.org/XML/1998/namespace"/>
-    <ds:schemaRef ds:uri="http://purl.org/dc/elements/1.1/"/>
-  </ds:schemaRefs>
-</ds:datastoreItem>
-</file>
-
 <file path=customXml/itemProps3.xml><?xml version="1.0" encoding="utf-8"?>
 <ds:datastoreItem xmlns:ds="http://schemas.openxmlformats.org/officeDocument/2006/customXml" ds:itemID="{B00FC41E-FBDE-42E2-B58A-20EBD240A376}">
   <ds:schemaRefs>

--- a/Templates/testmercredi.pptx
+++ b/Templates/testmercredi.pptx
@@ -403,7 +403,7 @@
           <a:p>
             <a:fld id="{515CCE07-1711-4DC7-A7D8-7ED312C82FB8}" type="datetimeFigureOut">
               <a:rPr lang="fr-FR" smtClean="0"/>
-              <a:t>06/05/2022</a:t>
+              <a:t>09/05/2022</a:t>
             </a:fld>
             <a:endParaRPr lang="fr-FR"/>
           </a:p>
@@ -568,7 +568,7 @@
           <a:p>
             <a:fld id="{014ABEAC-8B63-4BD1-9569-A14EB8752A94}" type="datetimeFigureOut">
               <a:rPr lang="fr-FR" smtClean="0"/>
-              <a:t>06/05/2022</a:t>
+              <a:t>09/05/2022</a:t>
             </a:fld>
             <a:endParaRPr lang="fr-FR"/>
           </a:p>
@@ -6029,6 +6029,537 @@
           </a:p>
         </p:txBody>
       </p:sp>
+      <p:graphicFrame>
+        <p:nvGraphicFramePr>
+          <p:cNvPr id="18" name="Tableau 17">
+            <a:extLst>
+              <a:ext uri="{FF2B5EF4-FFF2-40B4-BE49-F238E27FC236}">
+                <a16:creationId xmlns:a16="http://schemas.microsoft.com/office/drawing/2014/main" id="{8BB9252B-3C5F-7816-D006-0A4ACA82EC59}"/>
+              </a:ext>
+            </a:extLst>
+          </p:cNvPr>
+          <p:cNvGraphicFramePr>
+            <a:graphicFrameLocks noGrp="1"/>
+          </p:cNvGraphicFramePr>
+          <p:nvPr>
+            <p:extLst>
+              <p:ext uri="{D42A27DB-BD31-4B8C-83A1-F6EECF244321}">
+                <p14:modId xmlns:p14="http://schemas.microsoft.com/office/powerpoint/2010/main" val="716820604"/>
+              </p:ext>
+            </p:extLst>
+          </p:nvPr>
+        </p:nvGraphicFramePr>
+        <p:xfrm>
+          <a:off x="1152150" y="3147872"/>
+          <a:ext cx="4898297" cy="558652"/>
+        </p:xfrm>
+        <a:graphic>
+          <a:graphicData uri="http://schemas.openxmlformats.org/drawingml/2006/table">
+            <a:tbl>
+              <a:tblPr firstRow="1" bandRow="1"/>
+              <a:tblGrid>
+                <a:gridCol w="1529841">
+                  <a:extLst>
+                    <a:ext uri="{9D8B030D-6E8A-4147-A177-3AD203B41FA5}">
+                      <a16:colId xmlns:a16="http://schemas.microsoft.com/office/drawing/2014/main" val="426783337"/>
+                    </a:ext>
+                  </a:extLst>
+                </a:gridCol>
+                <a:gridCol w="842114">
+                  <a:extLst>
+                    <a:ext uri="{9D8B030D-6E8A-4147-A177-3AD203B41FA5}">
+                      <a16:colId xmlns:a16="http://schemas.microsoft.com/office/drawing/2014/main" val="1092029791"/>
+                    </a:ext>
+                  </a:extLst>
+                </a:gridCol>
+                <a:gridCol w="842114">
+                  <a:extLst>
+                    <a:ext uri="{9D8B030D-6E8A-4147-A177-3AD203B41FA5}">
+                      <a16:colId xmlns:a16="http://schemas.microsoft.com/office/drawing/2014/main" val="2835768170"/>
+                    </a:ext>
+                  </a:extLst>
+                </a:gridCol>
+                <a:gridCol w="842114">
+                  <a:extLst>
+                    <a:ext uri="{9D8B030D-6E8A-4147-A177-3AD203B41FA5}">
+                      <a16:colId xmlns:a16="http://schemas.microsoft.com/office/drawing/2014/main" val="2946066054"/>
+                    </a:ext>
+                  </a:extLst>
+                </a:gridCol>
+                <a:gridCol w="842114">
+                  <a:extLst>
+                    <a:ext uri="{9D8B030D-6E8A-4147-A177-3AD203B41FA5}">
+                      <a16:colId xmlns:a16="http://schemas.microsoft.com/office/drawing/2014/main" val="2045902365"/>
+                    </a:ext>
+                  </a:extLst>
+                </a:gridCol>
+              </a:tblGrid>
+              <a:tr h="312188">
+                <a:tc>
+                  <a:txBody>
+                    <a:bodyPr/>
+                    <a:lstStyle/>
+                    <a:p>
+                      <a:pPr algn="ctr" rtl="0" fontAlgn="ctr"/>
+                      <a:r>
+                        <a:rPr lang="fr-FR" sz="800" b="0" i="0" u="none" strike="noStrike" dirty="0">
+                          <a:solidFill>
+                            <a:srgbClr val="04202E"/>
+                          </a:solidFill>
+                          <a:effectLst/>
+                          <a:latin typeface="Proxima Nova Rg" panose="02000506030000020004" pitchFamily="2" charset="0"/>
+                        </a:rPr>
+                        <a:t>Performances au &lt;DDR&gt; (&lt;DIVIDENDE&gt;)</a:t>
+                      </a:r>
+                    </a:p>
+                  </a:txBody>
+                  <a:tcPr marL="9525" marR="9525" marT="9525" marB="0" anchor="ctr">
+                    <a:lnL>
+                      <a:noFill/>
+                    </a:lnL>
+                    <a:lnR>
+                      <a:noFill/>
+                    </a:lnR>
+                    <a:lnT w="12700" cap="flat" cmpd="sng" algn="ctr">
+                      <a:solidFill>
+                        <a:srgbClr val="B9A049"/>
+                      </a:solidFill>
+                      <a:prstDash val="solid"/>
+                      <a:round/>
+                      <a:headEnd type="none" w="med" len="med"/>
+                      <a:tailEnd type="none" w="med" len="med"/>
+                    </a:lnT>
+                    <a:lnB w="12700" cap="flat" cmpd="sng" algn="ctr">
+                      <a:solidFill>
+                        <a:srgbClr val="B9A049"/>
+                      </a:solidFill>
+                      <a:prstDash val="solid"/>
+                      <a:round/>
+                      <a:headEnd type="none" w="med" len="med"/>
+                      <a:tailEnd type="none" w="med" len="med"/>
+                    </a:lnB>
+                  </a:tcPr>
+                </a:tc>
+                <a:tc>
+                  <a:txBody>
+                    <a:bodyPr/>
+                    <a:lstStyle/>
+                    <a:p>
+                      <a:pPr algn="ctr" rtl="0" fontAlgn="ctr"/>
+                      <a:r>
+                        <a:rPr lang="fr-FR" sz="800" b="1" i="0" u="none" strike="noStrike" dirty="0">
+                          <a:solidFill>
+                            <a:srgbClr val="04202E"/>
+                          </a:solidFill>
+                          <a:effectLst/>
+                          <a:latin typeface="Proxima Nova Rg" panose="02000506030000020004" pitchFamily="2" charset="0"/>
+                        </a:rPr>
+                        <a:t>1 an</a:t>
+                      </a:r>
+                    </a:p>
+                  </a:txBody>
+                  <a:tcPr marL="9525" marR="9525" marT="9525" marB="0" anchor="ctr">
+                    <a:lnL>
+                      <a:noFill/>
+                    </a:lnL>
+                    <a:lnR>
+                      <a:noFill/>
+                    </a:lnR>
+                    <a:lnT w="12700" cap="flat" cmpd="sng" algn="ctr">
+                      <a:solidFill>
+                        <a:srgbClr val="B9A049"/>
+                      </a:solidFill>
+                      <a:prstDash val="solid"/>
+                      <a:round/>
+                      <a:headEnd type="none" w="med" len="med"/>
+                      <a:tailEnd type="none" w="med" len="med"/>
+                    </a:lnT>
+                    <a:lnB w="12700" cap="flat" cmpd="sng" algn="ctr">
+                      <a:solidFill>
+                        <a:srgbClr val="B9A049"/>
+                      </a:solidFill>
+                      <a:prstDash val="solid"/>
+                      <a:round/>
+                      <a:headEnd type="none" w="med" len="med"/>
+                      <a:tailEnd type="none" w="med" len="med"/>
+                    </a:lnB>
+                  </a:tcPr>
+                </a:tc>
+                <a:tc>
+                  <a:txBody>
+                    <a:bodyPr/>
+                    <a:lstStyle/>
+                    <a:p>
+                      <a:pPr algn="ctr" rtl="0" fontAlgn="ctr"/>
+                      <a:r>
+                        <a:rPr lang="fr-FR" sz="800" b="1" i="0" u="none" strike="noStrike" dirty="0">
+                          <a:solidFill>
+                            <a:srgbClr val="04202E"/>
+                          </a:solidFill>
+                          <a:effectLst/>
+                          <a:latin typeface="Proxima Nova Rg" panose="02000506030000020004" pitchFamily="2" charset="0"/>
+                        </a:rPr>
+                        <a:t>3 ans </a:t>
+                      </a:r>
+                    </a:p>
+                  </a:txBody>
+                  <a:tcPr marL="9525" marR="9525" marT="9525" marB="0" anchor="ctr">
+                    <a:lnL>
+                      <a:noFill/>
+                    </a:lnL>
+                    <a:lnR>
+                      <a:noFill/>
+                    </a:lnR>
+                    <a:lnT w="12700" cap="flat" cmpd="sng" algn="ctr">
+                      <a:solidFill>
+                        <a:srgbClr val="B9A049"/>
+                      </a:solidFill>
+                      <a:prstDash val="solid"/>
+                      <a:round/>
+                      <a:headEnd type="none" w="med" len="med"/>
+                      <a:tailEnd type="none" w="med" len="med"/>
+                    </a:lnT>
+                    <a:lnB w="12700" cap="flat" cmpd="sng" algn="ctr">
+                      <a:solidFill>
+                        <a:srgbClr val="B9A049"/>
+                      </a:solidFill>
+                      <a:prstDash val="solid"/>
+                      <a:round/>
+                      <a:headEnd type="none" w="med" len="med"/>
+                      <a:tailEnd type="none" w="med" len="med"/>
+                    </a:lnB>
+                  </a:tcPr>
+                </a:tc>
+                <a:tc>
+                  <a:txBody>
+                    <a:bodyPr/>
+                    <a:lstStyle/>
+                    <a:p>
+                      <a:pPr algn="ctr" rtl="0" fontAlgn="ctr"/>
+                      <a:r>
+                        <a:rPr lang="fr-FR" sz="800" b="1" i="0" u="none" strike="noStrike" dirty="0">
+                          <a:solidFill>
+                            <a:srgbClr val="04202E"/>
+                          </a:solidFill>
+                          <a:effectLst/>
+                          <a:latin typeface="Proxima Nova Rg" panose="02000506030000020004" pitchFamily="2" charset="0"/>
+                        </a:rPr>
+                        <a:t>5 ans </a:t>
+                      </a:r>
+                    </a:p>
+                  </a:txBody>
+                  <a:tcPr marL="9525" marR="9525" marT="9525" marB="0" anchor="ctr">
+                    <a:lnL>
+                      <a:noFill/>
+                    </a:lnL>
+                    <a:lnR>
+                      <a:noFill/>
+                    </a:lnR>
+                    <a:lnT w="12700" cap="flat" cmpd="sng" algn="ctr">
+                      <a:solidFill>
+                        <a:srgbClr val="B9A049"/>
+                      </a:solidFill>
+                      <a:prstDash val="solid"/>
+                      <a:round/>
+                      <a:headEnd type="none" w="med" len="med"/>
+                      <a:tailEnd type="none" w="med" len="med"/>
+                    </a:lnT>
+                    <a:lnB w="12700" cap="flat" cmpd="sng" algn="ctr">
+                      <a:solidFill>
+                        <a:srgbClr val="B9A049"/>
+                      </a:solidFill>
+                      <a:prstDash val="solid"/>
+                      <a:round/>
+                      <a:headEnd type="none" w="med" len="med"/>
+                      <a:tailEnd type="none" w="med" len="med"/>
+                    </a:lnB>
+                  </a:tcPr>
+                </a:tc>
+                <a:tc>
+                  <a:txBody>
+                    <a:bodyPr/>
+                    <a:lstStyle/>
+                    <a:p>
+                      <a:pPr algn="ctr" rtl="0" fontAlgn="ctr"/>
+                      <a:r>
+                        <a:rPr lang="fr-FR" sz="800" b="1" i="0" u="none" strike="noStrike" dirty="0">
+                          <a:solidFill>
+                            <a:srgbClr val="04202E"/>
+                          </a:solidFill>
+                          <a:effectLst/>
+                          <a:latin typeface="Proxima Nova Rg" panose="02000506030000020004" pitchFamily="2" charset="0"/>
+                        </a:rPr>
+                        <a:t>7 ans</a:t>
+                      </a:r>
+                    </a:p>
+                  </a:txBody>
+                  <a:tcPr marL="9525" marR="9525" marT="9525" marB="0" anchor="ctr">
+                    <a:lnL>
+                      <a:noFill/>
+                    </a:lnL>
+                    <a:lnR>
+                      <a:noFill/>
+                    </a:lnR>
+                    <a:lnT w="12700" cap="flat" cmpd="sng" algn="ctr">
+                      <a:solidFill>
+                        <a:srgbClr val="B9A049"/>
+                      </a:solidFill>
+                      <a:prstDash val="solid"/>
+                      <a:round/>
+                      <a:headEnd type="none" w="med" len="med"/>
+                      <a:tailEnd type="none" w="med" len="med"/>
+                    </a:lnT>
+                    <a:lnB w="12700" cap="flat" cmpd="sng" algn="ctr">
+                      <a:solidFill>
+                        <a:srgbClr val="B9A049"/>
+                      </a:solidFill>
+                      <a:prstDash val="solid"/>
+                      <a:round/>
+                      <a:headEnd type="none" w="med" len="med"/>
+                      <a:tailEnd type="none" w="med" len="med"/>
+                    </a:lnB>
+                  </a:tcPr>
+                </a:tc>
+                <a:extLst>
+                  <a:ext uri="{0D108BD9-81ED-4DB2-BD59-A6C34878D82A}">
+                    <a16:rowId xmlns:a16="http://schemas.microsoft.com/office/drawing/2014/main" val="545727365"/>
+                  </a:ext>
+                </a:extLst>
+              </a:tr>
+              <a:tr h="246464">
+                <a:tc>
+                  <a:txBody>
+                    <a:bodyPr/>
+                    <a:lstStyle/>
+                    <a:p>
+                      <a:pPr marL="0" algn="ctr" defTabSz="755934" rtl="0" eaLnBrk="1" fontAlgn="ctr" latinLnBrk="0" hangingPunct="1"/>
+                      <a:r>
+                        <a:rPr lang="fr-FR" sz="800" b="0" i="0" u="none" strike="noStrike" kern="1200" dirty="0">
+                          <a:solidFill>
+                            <a:srgbClr val="004F74"/>
+                          </a:solidFill>
+                          <a:effectLst/>
+                          <a:latin typeface="Proxima Nova Rg" panose="02000506030000020004" pitchFamily="2" charset="0"/>
+                          <a:ea typeface="+mn-ea"/>
+                          <a:cs typeface="+mn-cs"/>
+                        </a:rPr>
+                        <a:t>&lt;NOMSOUSJACENT&gt;</a:t>
+                      </a:r>
+                    </a:p>
+                  </a:txBody>
+                  <a:tcPr marL="9525" marR="9525" marT="9525" marB="0" anchor="ctr">
+                    <a:lnL>
+                      <a:noFill/>
+                    </a:lnL>
+                    <a:lnR>
+                      <a:noFill/>
+                    </a:lnR>
+                    <a:lnT w="12700" cap="flat" cmpd="sng" algn="ctr">
+                      <a:solidFill>
+                        <a:srgbClr val="B9A049"/>
+                      </a:solidFill>
+                      <a:prstDash val="solid"/>
+                      <a:round/>
+                      <a:headEnd type="none" w="med" len="med"/>
+                      <a:tailEnd type="none" w="med" len="med"/>
+                    </a:lnT>
+                    <a:lnB w="12700" cap="flat" cmpd="sng" algn="ctr">
+                      <a:solidFill>
+                        <a:srgbClr val="B9A049"/>
+                      </a:solidFill>
+                      <a:prstDash val="solid"/>
+                      <a:round/>
+                      <a:headEnd type="none" w="med" len="med"/>
+                      <a:tailEnd type="none" w="med" len="med"/>
+                    </a:lnB>
+                  </a:tcPr>
+                </a:tc>
+                <a:tc>
+                  <a:txBody>
+                    <a:bodyPr/>
+                    <a:lstStyle/>
+                    <a:p>
+                      <a:pPr marL="0" algn="ctr" defTabSz="755934" rtl="0" eaLnBrk="1" fontAlgn="ctr" latinLnBrk="0" hangingPunct="1"/>
+                      <a:endParaRPr lang="fr-FR" sz="800" b="1" i="0" u="none" strike="noStrike" kern="1200" dirty="0">
+                        <a:solidFill>
+                          <a:srgbClr val="004F74"/>
+                        </a:solidFill>
+                        <a:effectLst/>
+                        <a:latin typeface="Proxima Nova Rg" panose="02000506030000020004" pitchFamily="2" charset="0"/>
+                        <a:ea typeface="+mn-ea"/>
+                        <a:cs typeface="+mn-cs"/>
+                      </a:endParaRPr>
+                    </a:p>
+                  </a:txBody>
+                  <a:tcPr marL="9525" marR="9525" marT="9525" marB="0" anchor="ctr">
+                    <a:lnL>
+                      <a:noFill/>
+                    </a:lnL>
+                    <a:lnR>
+                      <a:noFill/>
+                    </a:lnR>
+                    <a:lnT w="12700" cap="flat" cmpd="sng" algn="ctr">
+                      <a:solidFill>
+                        <a:srgbClr val="B9A049"/>
+                      </a:solidFill>
+                      <a:prstDash val="solid"/>
+                      <a:round/>
+                      <a:headEnd type="none" w="med" len="med"/>
+                      <a:tailEnd type="none" w="med" len="med"/>
+                    </a:lnT>
+                    <a:lnB w="12700" cap="flat" cmpd="sng" algn="ctr">
+                      <a:solidFill>
+                        <a:srgbClr val="B9A049"/>
+                      </a:solidFill>
+                      <a:prstDash val="solid"/>
+                      <a:round/>
+                      <a:headEnd type="none" w="med" len="med"/>
+                      <a:tailEnd type="none" w="med" len="med"/>
+                    </a:lnB>
+                  </a:tcPr>
+                </a:tc>
+                <a:tc>
+                  <a:txBody>
+                    <a:bodyPr/>
+                    <a:lstStyle/>
+                    <a:p>
+                      <a:pPr marL="0" algn="ctr" defTabSz="755934" rtl="0" eaLnBrk="1" fontAlgn="ctr" latinLnBrk="0" hangingPunct="1"/>
+                      <a:endParaRPr lang="fr-FR" sz="800" b="1" i="0" u="none" strike="noStrike" kern="1200" dirty="0">
+                        <a:solidFill>
+                          <a:srgbClr val="004F74"/>
+                        </a:solidFill>
+                        <a:effectLst/>
+                        <a:latin typeface="Proxima Nova Rg" panose="02000506030000020004" pitchFamily="2" charset="0"/>
+                        <a:ea typeface="+mn-ea"/>
+                        <a:cs typeface="+mn-cs"/>
+                      </a:endParaRPr>
+                    </a:p>
+                  </a:txBody>
+                  <a:tcPr marL="9525" marR="9525" marT="9525" marB="0" anchor="ctr">
+                    <a:lnL>
+                      <a:noFill/>
+                    </a:lnL>
+                    <a:lnR>
+                      <a:noFill/>
+                    </a:lnR>
+                    <a:lnT w="12700" cap="flat" cmpd="sng" algn="ctr">
+                      <a:solidFill>
+                        <a:srgbClr val="B9A049"/>
+                      </a:solidFill>
+                      <a:prstDash val="solid"/>
+                      <a:round/>
+                      <a:headEnd type="none" w="med" len="med"/>
+                      <a:tailEnd type="none" w="med" len="med"/>
+                    </a:lnT>
+                    <a:lnB w="12700" cap="flat" cmpd="sng" algn="ctr">
+                      <a:solidFill>
+                        <a:srgbClr val="B9A049"/>
+                      </a:solidFill>
+                      <a:prstDash val="solid"/>
+                      <a:round/>
+                      <a:headEnd type="none" w="med" len="med"/>
+                      <a:tailEnd type="none" w="med" len="med"/>
+                    </a:lnB>
+                  </a:tcPr>
+                </a:tc>
+                <a:tc>
+                  <a:txBody>
+                    <a:bodyPr/>
+                    <a:lstStyle/>
+                    <a:p>
+                      <a:pPr marL="0" algn="ctr" defTabSz="755934" rtl="0" eaLnBrk="1" fontAlgn="ctr" latinLnBrk="0" hangingPunct="1"/>
+                      <a:endParaRPr lang="fr-FR" sz="800" b="1" i="0" u="none" strike="noStrike" kern="1200" dirty="0">
+                        <a:solidFill>
+                          <a:srgbClr val="004F74"/>
+                        </a:solidFill>
+                        <a:effectLst/>
+                        <a:latin typeface="Proxima Nova Rg" panose="02000506030000020004" pitchFamily="2" charset="0"/>
+                        <a:ea typeface="+mn-ea"/>
+                        <a:cs typeface="+mn-cs"/>
+                      </a:endParaRPr>
+                    </a:p>
+                  </a:txBody>
+                  <a:tcPr marL="9525" marR="9525" marT="9525" marB="0" anchor="ctr">
+                    <a:lnL>
+                      <a:noFill/>
+                    </a:lnL>
+                    <a:lnR>
+                      <a:noFill/>
+                    </a:lnR>
+                    <a:lnT w="12700" cap="flat" cmpd="sng" algn="ctr">
+                      <a:solidFill>
+                        <a:srgbClr val="B9A049"/>
+                      </a:solidFill>
+                      <a:prstDash val="solid"/>
+                      <a:round/>
+                      <a:headEnd type="none" w="med" len="med"/>
+                      <a:tailEnd type="none" w="med" len="med"/>
+                    </a:lnT>
+                    <a:lnB w="12700" cap="flat" cmpd="sng" algn="ctr">
+                      <a:solidFill>
+                        <a:srgbClr val="B9A049"/>
+                      </a:solidFill>
+                      <a:prstDash val="solid"/>
+                      <a:round/>
+                      <a:headEnd type="none" w="med" len="med"/>
+                      <a:tailEnd type="none" w="med" len="med"/>
+                    </a:lnB>
+                  </a:tcPr>
+                </a:tc>
+                <a:tc>
+                  <a:txBody>
+                    <a:bodyPr/>
+                    <a:lstStyle/>
+                    <a:p>
+                      <a:pPr marL="0" algn="ctr" defTabSz="755934" rtl="0" eaLnBrk="1" fontAlgn="ctr" latinLnBrk="0" hangingPunct="1"/>
+                      <a:endParaRPr lang="fr-FR" sz="800" b="1" i="0" u="none" strike="noStrike" kern="1200" dirty="0">
+                        <a:solidFill>
+                          <a:srgbClr val="004F74"/>
+                        </a:solidFill>
+                        <a:effectLst/>
+                        <a:latin typeface="Proxima Nova Rg" panose="02000506030000020004" pitchFamily="2" charset="0"/>
+                        <a:ea typeface="+mn-ea"/>
+                        <a:cs typeface="+mn-cs"/>
+                      </a:endParaRPr>
+                    </a:p>
+                  </a:txBody>
+                  <a:tcPr marL="9525" marR="9525" marT="9525" marB="0" anchor="ctr">
+                    <a:lnL>
+                      <a:noFill/>
+                    </a:lnL>
+                    <a:lnR>
+                      <a:noFill/>
+                    </a:lnR>
+                    <a:lnT w="12700" cap="flat" cmpd="sng" algn="ctr">
+                      <a:solidFill>
+                        <a:srgbClr val="B9A049"/>
+                      </a:solidFill>
+                      <a:prstDash val="solid"/>
+                      <a:round/>
+                      <a:headEnd type="none" w="med" len="med"/>
+                      <a:tailEnd type="none" w="med" len="med"/>
+                    </a:lnT>
+                    <a:lnB w="12700" cap="flat" cmpd="sng" algn="ctr">
+                      <a:solidFill>
+                        <a:srgbClr val="B9A049"/>
+                      </a:solidFill>
+                      <a:prstDash val="solid"/>
+                      <a:round/>
+                      <a:headEnd type="none" w="med" len="med"/>
+                      <a:tailEnd type="none" w="med" len="med"/>
+                    </a:lnB>
+                  </a:tcPr>
+                </a:tc>
+                <a:extLst>
+                  <a:ext uri="{0D108BD9-81ED-4DB2-BD59-A6C34878D82A}">
+                    <a16:rowId xmlns:a16="http://schemas.microsoft.com/office/drawing/2014/main" val="3345566369"/>
+                  </a:ext>
+                </a:extLst>
+              </a:tr>
+            </a:tbl>
+          </a:graphicData>
+        </a:graphic>
+      </p:graphicFrame>
     </p:spTree>
     <p:extLst>
       <p:ext uri="{BB962C8B-B14F-4D97-AF65-F5344CB8AC3E}">

--- a/Templates/testmercredi.pptx
+++ b/Templates/testmercredi.pptx
@@ -4360,6 +4360,78 @@
           </a:p>
         </p:txBody>
       </p:sp>
+      <p:sp>
+        <p:nvSpPr>
+          <p:cNvPr id="18" name="ZoneTexte 17">
+            <a:extLst>
+              <a:ext uri="{FF2B5EF4-FFF2-40B4-BE49-F238E27FC236}">
+                <a16:creationId xmlns:a16="http://schemas.microsoft.com/office/drawing/2014/main" id="{641366A7-4AA0-D631-4ACD-7C95F93BC6D5}"/>
+              </a:ext>
+            </a:extLst>
+          </p:cNvPr>
+          <p:cNvSpPr txBox="1"/>
+          <p:nvPr/>
+        </p:nvSpPr>
+        <p:spPr>
+          <a:xfrm>
+            <a:off x="771525" y="4913448"/>
+            <a:ext cx="4056380" cy="369332"/>
+          </a:xfrm>
+          <a:prstGeom prst="rect">
+            <a:avLst/>
+          </a:prstGeom>
+          <a:noFill/>
+        </p:spPr>
+        <p:txBody>
+          <a:bodyPr wrap="square">
+            <a:spAutoFit/>
+          </a:bodyPr>
+          <a:lstStyle/>
+          <a:p>
+            <a:r>
+              <a:rPr lang="fr-FR" dirty="0"/>
+              <a:t>&lt;graph3&gt;</a:t>
+            </a:r>
+            <a:endParaRPr lang="en-US" dirty="0"/>
+          </a:p>
+        </p:txBody>
+      </p:sp>
+      <p:sp>
+        <p:nvSpPr>
+          <p:cNvPr id="19" name="ZoneTexte 18">
+            <a:extLst>
+              <a:ext uri="{FF2B5EF4-FFF2-40B4-BE49-F238E27FC236}">
+                <a16:creationId xmlns:a16="http://schemas.microsoft.com/office/drawing/2014/main" id="{F2C22C14-4445-69DE-95BA-4651FEEFA06C}"/>
+              </a:ext>
+            </a:extLst>
+          </p:cNvPr>
+          <p:cNvSpPr txBox="1"/>
+          <p:nvPr/>
+        </p:nvSpPr>
+        <p:spPr>
+          <a:xfrm>
+            <a:off x="771525" y="7907325"/>
+            <a:ext cx="4056380" cy="369332"/>
+          </a:xfrm>
+          <a:prstGeom prst="rect">
+            <a:avLst/>
+          </a:prstGeom>
+          <a:noFill/>
+        </p:spPr>
+        <p:txBody>
+          <a:bodyPr wrap="square">
+            <a:spAutoFit/>
+          </a:bodyPr>
+          <a:lstStyle/>
+          <a:p>
+            <a:r>
+              <a:rPr lang="fr-FR"/>
+              <a:t>&lt;graph4&gt;</a:t>
+            </a:r>
+            <a:endParaRPr lang="en-US" dirty="0"/>
+          </a:p>
+        </p:txBody>
+      </p:sp>
     </p:spTree>
     <p:extLst>
       <p:ext uri="{BB962C8B-B14F-4D97-AF65-F5344CB8AC3E}">
@@ -6029,537 +6101,6 @@
           </a:p>
         </p:txBody>
       </p:sp>
-      <p:graphicFrame>
-        <p:nvGraphicFramePr>
-          <p:cNvPr id="18" name="Tableau 17">
-            <a:extLst>
-              <a:ext uri="{FF2B5EF4-FFF2-40B4-BE49-F238E27FC236}">
-                <a16:creationId xmlns:a16="http://schemas.microsoft.com/office/drawing/2014/main" id="{8BB9252B-3C5F-7816-D006-0A4ACA82EC59}"/>
-              </a:ext>
-            </a:extLst>
-          </p:cNvPr>
-          <p:cNvGraphicFramePr>
-            <a:graphicFrameLocks noGrp="1"/>
-          </p:cNvGraphicFramePr>
-          <p:nvPr>
-            <p:extLst>
-              <p:ext uri="{D42A27DB-BD31-4B8C-83A1-F6EECF244321}">
-                <p14:modId xmlns:p14="http://schemas.microsoft.com/office/powerpoint/2010/main" val="716820604"/>
-              </p:ext>
-            </p:extLst>
-          </p:nvPr>
-        </p:nvGraphicFramePr>
-        <p:xfrm>
-          <a:off x="1152150" y="3147872"/>
-          <a:ext cx="4898297" cy="558652"/>
-        </p:xfrm>
-        <a:graphic>
-          <a:graphicData uri="http://schemas.openxmlformats.org/drawingml/2006/table">
-            <a:tbl>
-              <a:tblPr firstRow="1" bandRow="1"/>
-              <a:tblGrid>
-                <a:gridCol w="1529841">
-                  <a:extLst>
-                    <a:ext uri="{9D8B030D-6E8A-4147-A177-3AD203B41FA5}">
-                      <a16:colId xmlns:a16="http://schemas.microsoft.com/office/drawing/2014/main" val="426783337"/>
-                    </a:ext>
-                  </a:extLst>
-                </a:gridCol>
-                <a:gridCol w="842114">
-                  <a:extLst>
-                    <a:ext uri="{9D8B030D-6E8A-4147-A177-3AD203B41FA5}">
-                      <a16:colId xmlns:a16="http://schemas.microsoft.com/office/drawing/2014/main" val="1092029791"/>
-                    </a:ext>
-                  </a:extLst>
-                </a:gridCol>
-                <a:gridCol w="842114">
-                  <a:extLst>
-                    <a:ext uri="{9D8B030D-6E8A-4147-A177-3AD203B41FA5}">
-                      <a16:colId xmlns:a16="http://schemas.microsoft.com/office/drawing/2014/main" val="2835768170"/>
-                    </a:ext>
-                  </a:extLst>
-                </a:gridCol>
-                <a:gridCol w="842114">
-                  <a:extLst>
-                    <a:ext uri="{9D8B030D-6E8A-4147-A177-3AD203B41FA5}">
-                      <a16:colId xmlns:a16="http://schemas.microsoft.com/office/drawing/2014/main" val="2946066054"/>
-                    </a:ext>
-                  </a:extLst>
-                </a:gridCol>
-                <a:gridCol w="842114">
-                  <a:extLst>
-                    <a:ext uri="{9D8B030D-6E8A-4147-A177-3AD203B41FA5}">
-                      <a16:colId xmlns:a16="http://schemas.microsoft.com/office/drawing/2014/main" val="2045902365"/>
-                    </a:ext>
-                  </a:extLst>
-                </a:gridCol>
-              </a:tblGrid>
-              <a:tr h="312188">
-                <a:tc>
-                  <a:txBody>
-                    <a:bodyPr/>
-                    <a:lstStyle/>
-                    <a:p>
-                      <a:pPr algn="ctr" rtl="0" fontAlgn="ctr"/>
-                      <a:r>
-                        <a:rPr lang="fr-FR" sz="800" b="0" i="0" u="none" strike="noStrike" dirty="0">
-                          <a:solidFill>
-                            <a:srgbClr val="04202E"/>
-                          </a:solidFill>
-                          <a:effectLst/>
-                          <a:latin typeface="Proxima Nova Rg" panose="02000506030000020004" pitchFamily="2" charset="0"/>
-                        </a:rPr>
-                        <a:t>Performances au &lt;DDR&gt; (&lt;DIVIDENDE&gt;)</a:t>
-                      </a:r>
-                    </a:p>
-                  </a:txBody>
-                  <a:tcPr marL="9525" marR="9525" marT="9525" marB="0" anchor="ctr">
-                    <a:lnL>
-                      <a:noFill/>
-                    </a:lnL>
-                    <a:lnR>
-                      <a:noFill/>
-                    </a:lnR>
-                    <a:lnT w="12700" cap="flat" cmpd="sng" algn="ctr">
-                      <a:solidFill>
-                        <a:srgbClr val="B9A049"/>
-                      </a:solidFill>
-                      <a:prstDash val="solid"/>
-                      <a:round/>
-                      <a:headEnd type="none" w="med" len="med"/>
-                      <a:tailEnd type="none" w="med" len="med"/>
-                    </a:lnT>
-                    <a:lnB w="12700" cap="flat" cmpd="sng" algn="ctr">
-                      <a:solidFill>
-                        <a:srgbClr val="B9A049"/>
-                      </a:solidFill>
-                      <a:prstDash val="solid"/>
-                      <a:round/>
-                      <a:headEnd type="none" w="med" len="med"/>
-                      <a:tailEnd type="none" w="med" len="med"/>
-                    </a:lnB>
-                  </a:tcPr>
-                </a:tc>
-                <a:tc>
-                  <a:txBody>
-                    <a:bodyPr/>
-                    <a:lstStyle/>
-                    <a:p>
-                      <a:pPr algn="ctr" rtl="0" fontAlgn="ctr"/>
-                      <a:r>
-                        <a:rPr lang="fr-FR" sz="800" b="1" i="0" u="none" strike="noStrike" dirty="0">
-                          <a:solidFill>
-                            <a:srgbClr val="04202E"/>
-                          </a:solidFill>
-                          <a:effectLst/>
-                          <a:latin typeface="Proxima Nova Rg" panose="02000506030000020004" pitchFamily="2" charset="0"/>
-                        </a:rPr>
-                        <a:t>1 an</a:t>
-                      </a:r>
-                    </a:p>
-                  </a:txBody>
-                  <a:tcPr marL="9525" marR="9525" marT="9525" marB="0" anchor="ctr">
-                    <a:lnL>
-                      <a:noFill/>
-                    </a:lnL>
-                    <a:lnR>
-                      <a:noFill/>
-                    </a:lnR>
-                    <a:lnT w="12700" cap="flat" cmpd="sng" algn="ctr">
-                      <a:solidFill>
-                        <a:srgbClr val="B9A049"/>
-                      </a:solidFill>
-                      <a:prstDash val="solid"/>
-                      <a:round/>
-                      <a:headEnd type="none" w="med" len="med"/>
-                      <a:tailEnd type="none" w="med" len="med"/>
-                    </a:lnT>
-                    <a:lnB w="12700" cap="flat" cmpd="sng" algn="ctr">
-                      <a:solidFill>
-                        <a:srgbClr val="B9A049"/>
-                      </a:solidFill>
-                      <a:prstDash val="solid"/>
-                      <a:round/>
-                      <a:headEnd type="none" w="med" len="med"/>
-                      <a:tailEnd type="none" w="med" len="med"/>
-                    </a:lnB>
-                  </a:tcPr>
-                </a:tc>
-                <a:tc>
-                  <a:txBody>
-                    <a:bodyPr/>
-                    <a:lstStyle/>
-                    <a:p>
-                      <a:pPr algn="ctr" rtl="0" fontAlgn="ctr"/>
-                      <a:r>
-                        <a:rPr lang="fr-FR" sz="800" b="1" i="0" u="none" strike="noStrike" dirty="0">
-                          <a:solidFill>
-                            <a:srgbClr val="04202E"/>
-                          </a:solidFill>
-                          <a:effectLst/>
-                          <a:latin typeface="Proxima Nova Rg" panose="02000506030000020004" pitchFamily="2" charset="0"/>
-                        </a:rPr>
-                        <a:t>3 ans </a:t>
-                      </a:r>
-                    </a:p>
-                  </a:txBody>
-                  <a:tcPr marL="9525" marR="9525" marT="9525" marB="0" anchor="ctr">
-                    <a:lnL>
-                      <a:noFill/>
-                    </a:lnL>
-                    <a:lnR>
-                      <a:noFill/>
-                    </a:lnR>
-                    <a:lnT w="12700" cap="flat" cmpd="sng" algn="ctr">
-                      <a:solidFill>
-                        <a:srgbClr val="B9A049"/>
-                      </a:solidFill>
-                      <a:prstDash val="solid"/>
-                      <a:round/>
-                      <a:headEnd type="none" w="med" len="med"/>
-                      <a:tailEnd type="none" w="med" len="med"/>
-                    </a:lnT>
-                    <a:lnB w="12700" cap="flat" cmpd="sng" algn="ctr">
-                      <a:solidFill>
-                        <a:srgbClr val="B9A049"/>
-                      </a:solidFill>
-                      <a:prstDash val="solid"/>
-                      <a:round/>
-                      <a:headEnd type="none" w="med" len="med"/>
-                      <a:tailEnd type="none" w="med" len="med"/>
-                    </a:lnB>
-                  </a:tcPr>
-                </a:tc>
-                <a:tc>
-                  <a:txBody>
-                    <a:bodyPr/>
-                    <a:lstStyle/>
-                    <a:p>
-                      <a:pPr algn="ctr" rtl="0" fontAlgn="ctr"/>
-                      <a:r>
-                        <a:rPr lang="fr-FR" sz="800" b="1" i="0" u="none" strike="noStrike" dirty="0">
-                          <a:solidFill>
-                            <a:srgbClr val="04202E"/>
-                          </a:solidFill>
-                          <a:effectLst/>
-                          <a:latin typeface="Proxima Nova Rg" panose="02000506030000020004" pitchFamily="2" charset="0"/>
-                        </a:rPr>
-                        <a:t>5 ans </a:t>
-                      </a:r>
-                    </a:p>
-                  </a:txBody>
-                  <a:tcPr marL="9525" marR="9525" marT="9525" marB="0" anchor="ctr">
-                    <a:lnL>
-                      <a:noFill/>
-                    </a:lnL>
-                    <a:lnR>
-                      <a:noFill/>
-                    </a:lnR>
-                    <a:lnT w="12700" cap="flat" cmpd="sng" algn="ctr">
-                      <a:solidFill>
-                        <a:srgbClr val="B9A049"/>
-                      </a:solidFill>
-                      <a:prstDash val="solid"/>
-                      <a:round/>
-                      <a:headEnd type="none" w="med" len="med"/>
-                      <a:tailEnd type="none" w="med" len="med"/>
-                    </a:lnT>
-                    <a:lnB w="12700" cap="flat" cmpd="sng" algn="ctr">
-                      <a:solidFill>
-                        <a:srgbClr val="B9A049"/>
-                      </a:solidFill>
-                      <a:prstDash val="solid"/>
-                      <a:round/>
-                      <a:headEnd type="none" w="med" len="med"/>
-                      <a:tailEnd type="none" w="med" len="med"/>
-                    </a:lnB>
-                  </a:tcPr>
-                </a:tc>
-                <a:tc>
-                  <a:txBody>
-                    <a:bodyPr/>
-                    <a:lstStyle/>
-                    <a:p>
-                      <a:pPr algn="ctr" rtl="0" fontAlgn="ctr"/>
-                      <a:r>
-                        <a:rPr lang="fr-FR" sz="800" b="1" i="0" u="none" strike="noStrike" dirty="0">
-                          <a:solidFill>
-                            <a:srgbClr val="04202E"/>
-                          </a:solidFill>
-                          <a:effectLst/>
-                          <a:latin typeface="Proxima Nova Rg" panose="02000506030000020004" pitchFamily="2" charset="0"/>
-                        </a:rPr>
-                        <a:t>7 ans</a:t>
-                      </a:r>
-                    </a:p>
-                  </a:txBody>
-                  <a:tcPr marL="9525" marR="9525" marT="9525" marB="0" anchor="ctr">
-                    <a:lnL>
-                      <a:noFill/>
-                    </a:lnL>
-                    <a:lnR>
-                      <a:noFill/>
-                    </a:lnR>
-                    <a:lnT w="12700" cap="flat" cmpd="sng" algn="ctr">
-                      <a:solidFill>
-                        <a:srgbClr val="B9A049"/>
-                      </a:solidFill>
-                      <a:prstDash val="solid"/>
-                      <a:round/>
-                      <a:headEnd type="none" w="med" len="med"/>
-                      <a:tailEnd type="none" w="med" len="med"/>
-                    </a:lnT>
-                    <a:lnB w="12700" cap="flat" cmpd="sng" algn="ctr">
-                      <a:solidFill>
-                        <a:srgbClr val="B9A049"/>
-                      </a:solidFill>
-                      <a:prstDash val="solid"/>
-                      <a:round/>
-                      <a:headEnd type="none" w="med" len="med"/>
-                      <a:tailEnd type="none" w="med" len="med"/>
-                    </a:lnB>
-                  </a:tcPr>
-                </a:tc>
-                <a:extLst>
-                  <a:ext uri="{0D108BD9-81ED-4DB2-BD59-A6C34878D82A}">
-                    <a16:rowId xmlns:a16="http://schemas.microsoft.com/office/drawing/2014/main" val="545727365"/>
-                  </a:ext>
-                </a:extLst>
-              </a:tr>
-              <a:tr h="246464">
-                <a:tc>
-                  <a:txBody>
-                    <a:bodyPr/>
-                    <a:lstStyle/>
-                    <a:p>
-                      <a:pPr marL="0" algn="ctr" defTabSz="755934" rtl="0" eaLnBrk="1" fontAlgn="ctr" latinLnBrk="0" hangingPunct="1"/>
-                      <a:r>
-                        <a:rPr lang="fr-FR" sz="800" b="0" i="0" u="none" strike="noStrike" kern="1200" dirty="0">
-                          <a:solidFill>
-                            <a:srgbClr val="004F74"/>
-                          </a:solidFill>
-                          <a:effectLst/>
-                          <a:latin typeface="Proxima Nova Rg" panose="02000506030000020004" pitchFamily="2" charset="0"/>
-                          <a:ea typeface="+mn-ea"/>
-                          <a:cs typeface="+mn-cs"/>
-                        </a:rPr>
-                        <a:t>&lt;NOMSOUSJACENT&gt;</a:t>
-                      </a:r>
-                    </a:p>
-                  </a:txBody>
-                  <a:tcPr marL="9525" marR="9525" marT="9525" marB="0" anchor="ctr">
-                    <a:lnL>
-                      <a:noFill/>
-                    </a:lnL>
-                    <a:lnR>
-                      <a:noFill/>
-                    </a:lnR>
-                    <a:lnT w="12700" cap="flat" cmpd="sng" algn="ctr">
-                      <a:solidFill>
-                        <a:srgbClr val="B9A049"/>
-                      </a:solidFill>
-                      <a:prstDash val="solid"/>
-                      <a:round/>
-                      <a:headEnd type="none" w="med" len="med"/>
-                      <a:tailEnd type="none" w="med" len="med"/>
-                    </a:lnT>
-                    <a:lnB w="12700" cap="flat" cmpd="sng" algn="ctr">
-                      <a:solidFill>
-                        <a:srgbClr val="B9A049"/>
-                      </a:solidFill>
-                      <a:prstDash val="solid"/>
-                      <a:round/>
-                      <a:headEnd type="none" w="med" len="med"/>
-                      <a:tailEnd type="none" w="med" len="med"/>
-                    </a:lnB>
-                  </a:tcPr>
-                </a:tc>
-                <a:tc>
-                  <a:txBody>
-                    <a:bodyPr/>
-                    <a:lstStyle/>
-                    <a:p>
-                      <a:pPr marL="0" algn="ctr" defTabSz="755934" rtl="0" eaLnBrk="1" fontAlgn="ctr" latinLnBrk="0" hangingPunct="1"/>
-                      <a:endParaRPr lang="fr-FR" sz="800" b="1" i="0" u="none" strike="noStrike" kern="1200" dirty="0">
-                        <a:solidFill>
-                          <a:srgbClr val="004F74"/>
-                        </a:solidFill>
-                        <a:effectLst/>
-                        <a:latin typeface="Proxima Nova Rg" panose="02000506030000020004" pitchFamily="2" charset="0"/>
-                        <a:ea typeface="+mn-ea"/>
-                        <a:cs typeface="+mn-cs"/>
-                      </a:endParaRPr>
-                    </a:p>
-                  </a:txBody>
-                  <a:tcPr marL="9525" marR="9525" marT="9525" marB="0" anchor="ctr">
-                    <a:lnL>
-                      <a:noFill/>
-                    </a:lnL>
-                    <a:lnR>
-                      <a:noFill/>
-                    </a:lnR>
-                    <a:lnT w="12700" cap="flat" cmpd="sng" algn="ctr">
-                      <a:solidFill>
-                        <a:srgbClr val="B9A049"/>
-                      </a:solidFill>
-                      <a:prstDash val="solid"/>
-                      <a:round/>
-                      <a:headEnd type="none" w="med" len="med"/>
-                      <a:tailEnd type="none" w="med" len="med"/>
-                    </a:lnT>
-                    <a:lnB w="12700" cap="flat" cmpd="sng" algn="ctr">
-                      <a:solidFill>
-                        <a:srgbClr val="B9A049"/>
-                      </a:solidFill>
-                      <a:prstDash val="solid"/>
-                      <a:round/>
-                      <a:headEnd type="none" w="med" len="med"/>
-                      <a:tailEnd type="none" w="med" len="med"/>
-                    </a:lnB>
-                  </a:tcPr>
-                </a:tc>
-                <a:tc>
-                  <a:txBody>
-                    <a:bodyPr/>
-                    <a:lstStyle/>
-                    <a:p>
-                      <a:pPr marL="0" algn="ctr" defTabSz="755934" rtl="0" eaLnBrk="1" fontAlgn="ctr" latinLnBrk="0" hangingPunct="1"/>
-                      <a:endParaRPr lang="fr-FR" sz="800" b="1" i="0" u="none" strike="noStrike" kern="1200" dirty="0">
-                        <a:solidFill>
-                          <a:srgbClr val="004F74"/>
-                        </a:solidFill>
-                        <a:effectLst/>
-                        <a:latin typeface="Proxima Nova Rg" panose="02000506030000020004" pitchFamily="2" charset="0"/>
-                        <a:ea typeface="+mn-ea"/>
-                        <a:cs typeface="+mn-cs"/>
-                      </a:endParaRPr>
-                    </a:p>
-                  </a:txBody>
-                  <a:tcPr marL="9525" marR="9525" marT="9525" marB="0" anchor="ctr">
-                    <a:lnL>
-                      <a:noFill/>
-                    </a:lnL>
-                    <a:lnR>
-                      <a:noFill/>
-                    </a:lnR>
-                    <a:lnT w="12700" cap="flat" cmpd="sng" algn="ctr">
-                      <a:solidFill>
-                        <a:srgbClr val="B9A049"/>
-                      </a:solidFill>
-                      <a:prstDash val="solid"/>
-                      <a:round/>
-                      <a:headEnd type="none" w="med" len="med"/>
-                      <a:tailEnd type="none" w="med" len="med"/>
-                    </a:lnT>
-                    <a:lnB w="12700" cap="flat" cmpd="sng" algn="ctr">
-                      <a:solidFill>
-                        <a:srgbClr val="B9A049"/>
-                      </a:solidFill>
-                      <a:prstDash val="solid"/>
-                      <a:round/>
-                      <a:headEnd type="none" w="med" len="med"/>
-                      <a:tailEnd type="none" w="med" len="med"/>
-                    </a:lnB>
-                  </a:tcPr>
-                </a:tc>
-                <a:tc>
-                  <a:txBody>
-                    <a:bodyPr/>
-                    <a:lstStyle/>
-                    <a:p>
-                      <a:pPr marL="0" algn="ctr" defTabSz="755934" rtl="0" eaLnBrk="1" fontAlgn="ctr" latinLnBrk="0" hangingPunct="1"/>
-                      <a:endParaRPr lang="fr-FR" sz="800" b="1" i="0" u="none" strike="noStrike" kern="1200" dirty="0">
-                        <a:solidFill>
-                          <a:srgbClr val="004F74"/>
-                        </a:solidFill>
-                        <a:effectLst/>
-                        <a:latin typeface="Proxima Nova Rg" panose="02000506030000020004" pitchFamily="2" charset="0"/>
-                        <a:ea typeface="+mn-ea"/>
-                        <a:cs typeface="+mn-cs"/>
-                      </a:endParaRPr>
-                    </a:p>
-                  </a:txBody>
-                  <a:tcPr marL="9525" marR="9525" marT="9525" marB="0" anchor="ctr">
-                    <a:lnL>
-                      <a:noFill/>
-                    </a:lnL>
-                    <a:lnR>
-                      <a:noFill/>
-                    </a:lnR>
-                    <a:lnT w="12700" cap="flat" cmpd="sng" algn="ctr">
-                      <a:solidFill>
-                        <a:srgbClr val="B9A049"/>
-                      </a:solidFill>
-                      <a:prstDash val="solid"/>
-                      <a:round/>
-                      <a:headEnd type="none" w="med" len="med"/>
-                      <a:tailEnd type="none" w="med" len="med"/>
-                    </a:lnT>
-                    <a:lnB w="12700" cap="flat" cmpd="sng" algn="ctr">
-                      <a:solidFill>
-                        <a:srgbClr val="B9A049"/>
-                      </a:solidFill>
-                      <a:prstDash val="solid"/>
-                      <a:round/>
-                      <a:headEnd type="none" w="med" len="med"/>
-                      <a:tailEnd type="none" w="med" len="med"/>
-                    </a:lnB>
-                  </a:tcPr>
-                </a:tc>
-                <a:tc>
-                  <a:txBody>
-                    <a:bodyPr/>
-                    <a:lstStyle/>
-                    <a:p>
-                      <a:pPr marL="0" algn="ctr" defTabSz="755934" rtl="0" eaLnBrk="1" fontAlgn="ctr" latinLnBrk="0" hangingPunct="1"/>
-                      <a:endParaRPr lang="fr-FR" sz="800" b="1" i="0" u="none" strike="noStrike" kern="1200" dirty="0">
-                        <a:solidFill>
-                          <a:srgbClr val="004F74"/>
-                        </a:solidFill>
-                        <a:effectLst/>
-                        <a:latin typeface="Proxima Nova Rg" panose="02000506030000020004" pitchFamily="2" charset="0"/>
-                        <a:ea typeface="+mn-ea"/>
-                        <a:cs typeface="+mn-cs"/>
-                      </a:endParaRPr>
-                    </a:p>
-                  </a:txBody>
-                  <a:tcPr marL="9525" marR="9525" marT="9525" marB="0" anchor="ctr">
-                    <a:lnL>
-                      <a:noFill/>
-                    </a:lnL>
-                    <a:lnR>
-                      <a:noFill/>
-                    </a:lnR>
-                    <a:lnT w="12700" cap="flat" cmpd="sng" algn="ctr">
-                      <a:solidFill>
-                        <a:srgbClr val="B9A049"/>
-                      </a:solidFill>
-                      <a:prstDash val="solid"/>
-                      <a:round/>
-                      <a:headEnd type="none" w="med" len="med"/>
-                      <a:tailEnd type="none" w="med" len="med"/>
-                    </a:lnT>
-                    <a:lnB w="12700" cap="flat" cmpd="sng" algn="ctr">
-                      <a:solidFill>
-                        <a:srgbClr val="B9A049"/>
-                      </a:solidFill>
-                      <a:prstDash val="solid"/>
-                      <a:round/>
-                      <a:headEnd type="none" w="med" len="med"/>
-                      <a:tailEnd type="none" w="med" len="med"/>
-                    </a:lnB>
-                  </a:tcPr>
-                </a:tc>
-                <a:extLst>
-                  <a:ext uri="{0D108BD9-81ED-4DB2-BD59-A6C34878D82A}">
-                    <a16:rowId xmlns:a16="http://schemas.microsoft.com/office/drawing/2014/main" val="3345566369"/>
-                  </a:ext>
-                </a:extLst>
-              </a:tr>
-            </a:tbl>
-          </a:graphicData>
-        </a:graphic>
-      </p:graphicFrame>
     </p:spTree>
     <p:extLst>
       <p:ext uri="{BB962C8B-B14F-4D97-AF65-F5344CB8AC3E}">
@@ -29031,7 +28572,7 @@
           <a:lstStyle/>
           <a:p>
             <a:r>
-              <a:rPr lang="fr-FR"/>
+              <a:rPr lang="fr-FR" dirty="0"/>
               <a:t>&lt;graph4&gt;</a:t>
             </a:r>
             <a:endParaRPr lang="en-US" dirty="0"/>
@@ -29783,14 +29324,6 @@
 </file>
 
 <file path=customXml/item1.xml><?xml version="1.0" encoding="utf-8"?>
-<p:properties xmlns:p="http://schemas.microsoft.com/office/2006/metadata/properties" xmlns:xsi="http://www.w3.org/2001/XMLSchema-instance" xmlns:pc="http://schemas.microsoft.com/office/infopath/2007/PartnerControls">
-  <documentManagement>
-    <_Flow_SignoffStatus xmlns="ef624bc2-1644-4d69-8362-5c28ca496374" xsi:nil="true"/>
-  </documentManagement>
-</p:properties>
-</file>
-
-<file path=customXml/item2.xml><?xml version="1.0" encoding="utf-8"?>
 <ct:contentTypeSchema xmlns:ct="http://schemas.microsoft.com/office/2006/metadata/contentType" xmlns:ma="http://schemas.microsoft.com/office/2006/metadata/properties/metaAttributes" ct:_="" ma:_="" ma:contentTypeName="Document" ma:contentTypeID="0x0101005DDE610BC516E448BB8152259F39635A" ma:contentTypeVersion="13" ma:contentTypeDescription="Crée un document." ma:contentTypeScope="" ma:versionID="4e51a0dab1f5d4663d954168d546c586">
   <xsd:schema xmlns:xsd="http://www.w3.org/2001/XMLSchema" xmlns:xs="http://www.w3.org/2001/XMLSchema" xmlns:p="http://schemas.microsoft.com/office/2006/metadata/properties" xmlns:ns2="ef624bc2-1644-4d69-8362-5c28ca496374" xmlns:ns3="514a554b-82b0-4359-b247-fc84018a95f0" targetNamespace="http://schemas.microsoft.com/office/2006/metadata/properties" ma:root="true" ma:fieldsID="d7b51e5f287975310341ecd8502634d3" ns2:_="" ns3:_="">
     <xsd:import namespace="ef624bc2-1644-4d69-8362-5c28ca496374"/>
@@ -30013,6 +29546,14 @@
 </ct:contentTypeSchema>
 </file>
 
+<file path=customXml/item2.xml><?xml version="1.0" encoding="utf-8"?>
+<p:properties xmlns:p="http://schemas.microsoft.com/office/2006/metadata/properties" xmlns:xsi="http://www.w3.org/2001/XMLSchema-instance" xmlns:pc="http://schemas.microsoft.com/office/infopath/2007/PartnerControls">
+  <documentManagement>
+    <_Flow_SignoffStatus xmlns="ef624bc2-1644-4d69-8362-5c28ca496374" xsi:nil="true"/>
+  </documentManagement>
+</p:properties>
+</file>
+
 <file path=customXml/item3.xml><?xml version="1.0" encoding="utf-8"?>
 <?mso-contentType ?>
 <FormTemplates xmlns="http://schemas.microsoft.com/sharepoint/v3/contenttype/forms">
@@ -30023,23 +29564,6 @@
 </file>
 
 <file path=customXml/itemProps1.xml><?xml version="1.0" encoding="utf-8"?>
-<ds:datastoreItem xmlns:ds="http://schemas.openxmlformats.org/officeDocument/2006/customXml" ds:itemID="{25DE574B-2CD2-4078-9BEA-2A14717D9698}">
-  <ds:schemaRefs>
-    <ds:schemaRef ds:uri="http://schemas.microsoft.com/office/2006/documentManagement/types"/>
-    <ds:schemaRef ds:uri="ef624bc2-1644-4d69-8362-5c28ca496374"/>
-    <ds:schemaRef ds:uri="http://purl.org/dc/terms/"/>
-    <ds:schemaRef ds:uri="http://purl.org/dc/dcmitype/"/>
-    <ds:schemaRef ds:uri="http://schemas.microsoft.com/office/infopath/2007/PartnerControls"/>
-    <ds:schemaRef ds:uri="http://schemas.openxmlformats.org/package/2006/metadata/core-properties"/>
-    <ds:schemaRef ds:uri="514a554b-82b0-4359-b247-fc84018a95f0"/>
-    <ds:schemaRef ds:uri="http://schemas.microsoft.com/office/2006/metadata/properties"/>
-    <ds:schemaRef ds:uri="http://www.w3.org/XML/1998/namespace"/>
-    <ds:schemaRef ds:uri="http://purl.org/dc/elements/1.1/"/>
-  </ds:schemaRefs>
-</ds:datastoreItem>
-</file>
-
-<file path=customXml/itemProps2.xml><?xml version="1.0" encoding="utf-8"?>
 <ds:datastoreItem xmlns:ds="http://schemas.openxmlformats.org/officeDocument/2006/customXml" ds:itemID="{41EF0323-6FE8-41A6-BEA1-CC5178579BBD}">
   <ds:schemaRefs>
     <ds:schemaRef ds:uri="http://schemas.microsoft.com/office/2006/metadata/contentType"/>
@@ -30058,6 +29582,23 @@
 </ds:datastoreItem>
 </file>
 
+<file path=customXml/itemProps2.xml><?xml version="1.0" encoding="utf-8"?>
+<ds:datastoreItem xmlns:ds="http://schemas.openxmlformats.org/officeDocument/2006/customXml" ds:itemID="{25DE574B-2CD2-4078-9BEA-2A14717D9698}">
+  <ds:schemaRefs>
+    <ds:schemaRef ds:uri="http://schemas.microsoft.com/office/2006/documentManagement/types"/>
+    <ds:schemaRef ds:uri="ef624bc2-1644-4d69-8362-5c28ca496374"/>
+    <ds:schemaRef ds:uri="http://purl.org/dc/terms/"/>
+    <ds:schemaRef ds:uri="http://purl.org/dc/dcmitype/"/>
+    <ds:schemaRef ds:uri="http://schemas.microsoft.com/office/infopath/2007/PartnerControls"/>
+    <ds:schemaRef ds:uri="http://schemas.openxmlformats.org/package/2006/metadata/core-properties"/>
+    <ds:schemaRef ds:uri="514a554b-82b0-4359-b247-fc84018a95f0"/>
+    <ds:schemaRef ds:uri="http://schemas.microsoft.com/office/2006/metadata/properties"/>
+    <ds:schemaRef ds:uri="http://www.w3.org/XML/1998/namespace"/>
+    <ds:schemaRef ds:uri="http://purl.org/dc/elements/1.1/"/>
+  </ds:schemaRefs>
+</ds:datastoreItem>
+</file>
+
 <file path=customXml/itemProps3.xml><?xml version="1.0" encoding="utf-8"?>
 <ds:datastoreItem xmlns:ds="http://schemas.openxmlformats.org/officeDocument/2006/customXml" ds:itemID="{B00FC41E-FBDE-42E2-B58A-20EBD240A376}">
   <ds:schemaRefs>

--- a/Templates/testmercredi.pptx
+++ b/Templates/testmercredi.pptx
@@ -2081,7 +2081,15 @@
             </a:r>
             <a:r>
               <a:rPr lang="fr-FR" sz="800" b="1" cap="none" dirty="0"/>
-              <a:t>de droit &lt;droit&gt; présentant un risque de perte en capital partielle ou totale en &lt;SJR3&gt; de vie</a:t>
+              <a:t>de droit &lt;droit&gt; présentant un risque de perte en capital partielle ou totale </a:t>
+            </a:r>
+            <a:r>
+              <a:rPr lang="fr-FR" sz="800" b="1" cap="none"/>
+              <a:t>en cours de </a:t>
+            </a:r>
+            <a:r>
+              <a:rPr lang="fr-FR" sz="800" b="1" cap="none" dirty="0"/>
+              <a:t>vie</a:t>
             </a:r>
             <a:r>
               <a:rPr lang="fr-FR" sz="800" b="1" cap="none" baseline="30000" dirty="0"/>
@@ -2288,7 +2296,7 @@
         <p:spPr>
           <a:xfrm>
             <a:off x="4175836" y="6069790"/>
-            <a:ext cx="3024000" cy="2185214"/>
+            <a:ext cx="3024000" cy="2462213"/>
           </a:xfrm>
           <a:prstGeom prst="rect">
             <a:avLst/>
@@ -2472,6 +2480,23 @@
               </a:rPr>
               <a:t>Ce document à caractère promotionnel s’adresse à des investisseurs situés en France</a:t>
             </a:r>
+          </a:p>
+          <a:p>
+            <a:pPr marL="171450" indent="-171450" algn="just">
+              <a:spcBef>
+                <a:spcPts val="1200"/>
+              </a:spcBef>
+              <a:buClr>
+                <a:srgbClr val="1C1C1C"/>
+              </a:buClr>
+              <a:buFont typeface="Wingdings" panose="05000000000000000000" pitchFamily="2" charset="2"/>
+              <a:buChar char="§"/>
+            </a:pPr>
+            <a:endParaRPr lang="fr-FR" sz="800" dirty="0">
+              <a:solidFill>
+                <a:srgbClr val="000000"/>
+              </a:solidFill>
+            </a:endParaRPr>
           </a:p>
         </p:txBody>
       </p:sp>
@@ -5826,7 +5851,7 @@
         <p:spPr>
           <a:xfrm>
             <a:off x="458462" y="4382561"/>
-            <a:ext cx="7248779" cy="553998"/>
+            <a:ext cx="7248779" cy="276999"/>
           </a:xfrm>
           <a:prstGeom prst="rect">
             <a:avLst/>
@@ -5846,7 +5871,12 @@
               <a:t>ÉVOLUTION &lt;SJR6P1&gt; </a:t>
             </a:r>
             <a:r>
-              <a:rPr lang="fr-FR" dirty="0"/>
+              <a:rPr lang="fr-FR" sz="1200" dirty="0">
+                <a:solidFill>
+                  <a:srgbClr val="B9A049"/>
+                </a:solidFill>
+                <a:latin typeface="+mj-lt"/>
+              </a:rPr>
               <a:t>&lt;NOMSOUSJACENTP1&gt; </a:t>
             </a:r>
             <a:r>
@@ -6243,7 +6273,7 @@
           <p:nvPr>
             <p:extLst>
               <p:ext uri="{D42A27DB-BD31-4B8C-83A1-F6EECF244321}">
-                <p14:modId xmlns:p14="http://schemas.microsoft.com/office/powerpoint/2010/main" val="1927033946"/>
+                <p14:modId xmlns:p14="http://schemas.microsoft.com/office/powerpoint/2010/main" val="1982990457"/>
               </p:ext>
             </p:extLst>
           </p:nvPr>
@@ -7311,7 +7341,7 @@
                           <a:ea typeface="+mn-ea"/>
                           <a:cs typeface="+mn-cs"/>
                         </a:rPr>
-                        <a:t>&lt;SJR1&gt; entre &lt;NOMSOUSJACENT&gt; </a:t>
+                        <a:t>&lt;SJR1&gt; &lt;NOMSOUSJACENT&gt; </a:t>
                       </a:r>
                       <a:r>
                         <a:rPr kumimoji="0" lang="fr-FR" sz="800" b="0" i="0" u="none" strike="noStrike" kern="1200" cap="none" spc="0" normalizeH="0" baseline="0" noProof="0" dirty="0">
@@ -9026,7 +9056,7 @@
                           <a:ea typeface="+mn-ea"/>
                           <a:cs typeface="+mn-cs"/>
                         </a:rPr>
-                        <a:t>Date de constatation initiale</a:t>
+                        <a:t>Détermination du Niveau de Référence</a:t>
                       </a:r>
                     </a:p>
                   </a:txBody>
@@ -9203,7 +9233,7 @@
                         <a:defRPr/>
                       </a:pPr>
                       <a:r>
-                        <a:rPr lang="fr-FR" sz="700" b="1" kern="1200">
+                        <a:rPr lang="fr-FR" sz="700" b="1" kern="1200" dirty="0">
                           <a:solidFill>
                             <a:srgbClr val="B9A049"/>
                           </a:solidFill>
@@ -11326,7 +11356,7 @@
                           <a:ea typeface="+mn-ea"/>
                           <a:cs typeface="+mn-cs"/>
                         </a:rPr>
-                        <a:t>Oui, exemption retenue : investisseur qualifié (assurance uniquement) ; offre au public exemptée de la publication d’un prospectus </a:t>
+                        <a:t>Oui, exemption retenue : investisseur qualifié (assurance uniquement). Offre au public exemptée de la publication d’un prospectus.</a:t>
                       </a:r>
                     </a:p>
                   </a:txBody>
@@ -11814,7 +11844,7 @@
                           <a:ea typeface="+mn-ea"/>
                           <a:cs typeface="+mn-cs"/>
                         </a:rPr>
-                        <a:t>Triple valorisation</a:t>
+                        <a:t>Double valorisation</a:t>
                       </a:r>
                     </a:p>
                   </a:txBody>
@@ -11903,7 +11933,7 @@
                           <a:ea typeface="+mn-ea"/>
                           <a:cs typeface="+mn-cs"/>
                         </a:rPr>
-                        <a:t>Une triple valorisation sera établie tous les quinze (15) jours par les sociétés REFINITIV et FIS, sociétés indépendantes du Groupe BNP Paribas</a:t>
+                        <a:t>Une Double valorisation sera établie tous les quinze (15) jours par les sociétés REFINITIV et FIS, sociétés indépendantes du Groupe BNP Paribas</a:t>
                       </a:r>
                     </a:p>
                   </a:txBody>
@@ -11991,7 +12021,7 @@
                         <a:defRPr/>
                       </a:pPr>
                       <a:r>
-                        <a:rPr lang="fr-FR" sz="700" b="1" kern="1200">
+                        <a:rPr lang="fr-FR" sz="700" b="1" kern="1200" dirty="0">
                           <a:solidFill>
                             <a:srgbClr val="B9A049"/>
                           </a:solidFill>
@@ -12860,7 +12890,7 @@
             <a:pPr algn="just" defTabSz="914400"/>
             <a:r>
               <a:rPr lang="fr-FR" sz="650" baseline="30000" dirty="0"/>
-              <a:t>Siège social : Société Equitim, 121 rue d'Aguesseau - 92100 Boulogne-Billancourt.</a:t>
+              <a:t>Siège social : Société Equitim, 52 avenue André Morizet- 92100 Boulogne-Billancourt.</a:t>
             </a:r>
           </a:p>
           <a:p>
@@ -13797,7 +13827,7 @@
                 <a:ea typeface="+mn-ea"/>
                 <a:cs typeface="+mn-cs"/>
               </a:rPr>
-              <a:t>Les termes « capital » et « capital initial » utilisés dans cette brochure désignent la Valeur Nominale des titres de créance « &lt;NOM&gt; » soit 1 000 EUR. Le montant remboursé est brut, hors frais et fiscalité applicable au cadre d’investissement. Le Taux de Rendement Annuel est net de frais de gestion pour les contrats d’assurance vie/capitalisation (en prenant comme hypothèse un taux de frais de gestion de </a:t>
+              <a:t>Les termes « capital » et « capital initial » utilisés dans cette brochure désignent la Valeur Nominale des titres de créance « &lt;NOM&gt; » soit 1 000 EUR. Le montant remboursé est brut, hors frais et fiscalité applicable au cadre d’investissement. Les Taux de Rendement Annuel sont nets de frais de gestion pour les contrats d’assurance vie/capitalisation (en prenant comme hypothèse un taux de frais de gestion de </a:t>
             </a:r>
             <a:r>
               <a:rPr kumimoji="0" lang="fr-FR" sz="800" b="0" i="0" u="none" strike="noStrike" kern="1200" cap="none" spc="-40" normalizeH="0" baseline="0" noProof="0" dirty="0">
@@ -13831,7 +13861,7 @@
                 <a:ea typeface="+mn-ea"/>
                 <a:cs typeface="+mn-cs"/>
               </a:rPr>
-              <a:t>annuel), sans prise en compte des autres frais et de la fiscalité. Il est calculé entre le &lt;2PDC&gt; et la date de remboursement anticipé automatique concernée</a:t>
+              <a:t>annuel), sans prise en compte des autres frais et de la fiscalité. Ils sont calculés entre le &lt;2PDC&gt; et la date de remboursement anticipé automatique concernée</a:t>
             </a:r>
             <a:r>
               <a:rPr kumimoji="0" lang="fr-FR" sz="800" b="0" i="0" u="none" strike="noStrike" kern="1200" cap="none" spc="0" normalizeH="0" baseline="30000" noProof="0" dirty="0">
@@ -14003,7 +14033,7 @@
                 <a:ea typeface="+mn-ea"/>
                 <a:cs typeface="+mn-cs"/>
               </a:rPr>
-              <a:t>Pour un investissement dans « &lt;NOM&gt; », vous êtes exposé pour une durée de &lt;1PR&gt; à &lt;DPRR&gt; &lt;F0&gt;&lt;F0s&gt; à l’évolution &lt;SJR6&gt;</a:t>
+              <a:t>Pour un investissement dans « &lt;NOM&gt; », vous êtes exposé pour une durée de  &lt;1PR&gt; à &lt;DPRR&gt; &lt;F0&gt;&lt;F0s&gt; à l’évolution &lt;SJR6&gt;</a:t>
             </a:r>
             <a:r>
               <a:rPr lang="fr-FR" sz="800" b="1" dirty="0">
@@ -16922,7 +16952,7 @@
                 </a:solidFill>
                 <a:latin typeface="Proxima Nova Rg" panose="02000506030000020004" pitchFamily="2" charset="0"/>
               </a:rPr>
-              <a:t>) </a:t>
+              <a:t>(1) </a:t>
             </a:r>
             <a:r>
               <a:rPr lang="fr-FR" sz="650" dirty="0">
@@ -17829,7 +17859,7 @@
         </p:nvSpPr>
         <p:spPr>
           <a:xfrm>
-            <a:off x="910052" y="2345793"/>
+            <a:off x="904289" y="2149295"/>
             <a:ext cx="6005163" cy="738664"/>
           </a:xfrm>
           <a:prstGeom prst="rect">
@@ -18201,23 +18231,7 @@
                   <a:schemeClr val="tx2"/>
                 </a:solidFill>
               </a:rPr>
-              <a:t>À la date de constatation finale, le </a:t>
-            </a:r>
-            <a:r>
-              <a:rPr lang="fr-FR" sz="800">
-                <a:solidFill>
-                  <a:schemeClr val="tx2"/>
-                </a:solidFill>
-              </a:rPr>
-              <a:t>&lt;DCFMAJ&gt;, </a:t>
-            </a:r>
-            <a:r>
-              <a:rPr lang="fr-FR" sz="800" dirty="0">
-                <a:solidFill>
-                  <a:schemeClr val="tx2"/>
-                </a:solidFill>
-              </a:rPr>
-              <a:t>en l’absence de remboursement anticipé automatique préalable, on compare le &lt;SJR3&gt; de clôture &lt;SJR7&gt;</a:t>
+              <a:t>À la date de constatation finale, le &lt;DCF_MAJ&gt;, en l’absence de remboursement anticipé automatique préalable, on compare le &lt;SJR3&gt; de clôture &lt;SJR7&gt;</a:t>
             </a:r>
             <a:r>
               <a:rPr lang="en-US" sz="800" dirty="0">
@@ -24401,7 +24415,7 @@
         <p:spPr>
           <a:xfrm>
             <a:off x="361950" y="960898"/>
-            <a:ext cx="6837887" cy="7398820"/>
+            <a:ext cx="6837887" cy="7450116"/>
           </a:xfrm>
           <a:prstGeom prst="rect">
             <a:avLst/>
@@ -24432,6 +24446,21 @@
             </a:r>
           </a:p>
           <a:p>
+            <a:pPr algn="just">
+              <a:lnSpc>
+                <a:spcPct val="95000"/>
+              </a:lnSpc>
+              <a:spcBef>
+                <a:spcPts val="600"/>
+              </a:spcBef>
+            </a:pPr>
+            <a:endParaRPr lang="fr-FR" sz="500" b="1" dirty="0">
+              <a:solidFill>
+                <a:srgbClr val="B9A049"/>
+              </a:solidFill>
+            </a:endParaRPr>
+          </a:p>
+          <a:p>
             <a:pPr marL="171450" indent="-171450" algn="just">
               <a:lnSpc>
                 <a:spcPct val="95000"/>
@@ -24624,6 +24653,21 @@
               </a:rPr>
               <a:t>INCONVÉNIENTS</a:t>
             </a:r>
+          </a:p>
+          <a:p>
+            <a:pPr marL="0" lvl="1" algn="just">
+              <a:lnSpc>
+                <a:spcPct val="95000"/>
+              </a:lnSpc>
+              <a:spcBef>
+                <a:spcPts val="600"/>
+              </a:spcBef>
+            </a:pPr>
+            <a:endParaRPr lang="fr-FR" sz="500" b="1" dirty="0">
+              <a:solidFill>
+                <a:srgbClr val="B9A049"/>
+              </a:solidFill>
+            </a:endParaRPr>
           </a:p>
           <a:p>
             <a:pPr marL="171450" indent="-171450" algn="just">
@@ -25051,20 +25095,6 @@
               </a:rPr>
               <a:t>PRINCIPAUX FACTEURS DE RISQUES</a:t>
             </a:r>
-          </a:p>
-          <a:p>
-            <a:pPr marL="0" lvl="1" indent="0" algn="just">
-              <a:lnSpc>
-                <a:spcPct val="95000"/>
-              </a:lnSpc>
-              <a:spcBef>
-                <a:spcPts val="600"/>
-              </a:spcBef>
-              <a:spcAft>
-                <a:spcPts val="200"/>
-              </a:spcAft>
-              <a:buNone/>
-            </a:pPr>
             <a:endParaRPr lang="fr-FR" sz="1000" b="1" i="1" dirty="0">
               <a:solidFill>
                 <a:srgbClr val="B9A049"/>
@@ -28338,7 +28368,7 @@
                 </a:solidFill>
                 <a:latin typeface="Proxima Nova Rg" panose="02000506030000020004" pitchFamily="2" charset="0"/>
               </a:rPr>
-              <a:t>un &lt;SJR3&gt; supérieur à &lt;ABAC&gt; &lt;ABAC&gt; </a:t>
+              <a:t>un &lt;SJR3&gt; supérieur à &lt;ABAC&gt; </a:t>
             </a:r>
             <a:r>
               <a:rPr lang="fr-FR" sz="800" dirty="0">
@@ -28466,7 +28496,7 @@
                   <a:schemeClr val="tx2"/>
                 </a:solidFill>
               </a:rPr>
-              <a:t>mécanisme de plafonnement des gains à &lt;CPN&gt; par &lt;F0&gt; &lt;F2&gt; depuis le &lt;DDCIMAJ&gt;.</a:t>
+              <a:t>mécanisme de plafonnement des gains à &lt;CPN&gt; par &lt;F0&gt; &lt;F2&gt; depuis le &lt;DDCI_MAJ&gt;.</a:t>
             </a:r>
           </a:p>
         </p:txBody>
@@ -29324,6 +29354,14 @@
 </file>
 
 <file path=customXml/item1.xml><?xml version="1.0" encoding="utf-8"?>
+<p:properties xmlns:p="http://schemas.microsoft.com/office/2006/metadata/properties" xmlns:xsi="http://www.w3.org/2001/XMLSchema-instance" xmlns:pc="http://schemas.microsoft.com/office/infopath/2007/PartnerControls">
+  <documentManagement>
+    <_Flow_SignoffStatus xmlns="ef624bc2-1644-4d69-8362-5c28ca496374" xsi:nil="true"/>
+  </documentManagement>
+</p:properties>
+</file>
+
+<file path=customXml/item2.xml><?xml version="1.0" encoding="utf-8"?>
 <ct:contentTypeSchema xmlns:ct="http://schemas.microsoft.com/office/2006/metadata/contentType" xmlns:ma="http://schemas.microsoft.com/office/2006/metadata/properties/metaAttributes" ct:_="" ma:_="" ma:contentTypeName="Document" ma:contentTypeID="0x0101005DDE610BC516E448BB8152259F39635A" ma:contentTypeVersion="13" ma:contentTypeDescription="Crée un document." ma:contentTypeScope="" ma:versionID="4e51a0dab1f5d4663d954168d546c586">
   <xsd:schema xmlns:xsd="http://www.w3.org/2001/XMLSchema" xmlns:xs="http://www.w3.org/2001/XMLSchema" xmlns:p="http://schemas.microsoft.com/office/2006/metadata/properties" xmlns:ns2="ef624bc2-1644-4d69-8362-5c28ca496374" xmlns:ns3="514a554b-82b0-4359-b247-fc84018a95f0" targetNamespace="http://schemas.microsoft.com/office/2006/metadata/properties" ma:root="true" ma:fieldsID="d7b51e5f287975310341ecd8502634d3" ns2:_="" ns3:_="">
     <xsd:import namespace="ef624bc2-1644-4d69-8362-5c28ca496374"/>
@@ -29546,14 +29584,6 @@
 </ct:contentTypeSchema>
 </file>
 
-<file path=customXml/item2.xml><?xml version="1.0" encoding="utf-8"?>
-<p:properties xmlns:p="http://schemas.microsoft.com/office/2006/metadata/properties" xmlns:xsi="http://www.w3.org/2001/XMLSchema-instance" xmlns:pc="http://schemas.microsoft.com/office/infopath/2007/PartnerControls">
-  <documentManagement>
-    <_Flow_SignoffStatus xmlns="ef624bc2-1644-4d69-8362-5c28ca496374" xsi:nil="true"/>
-  </documentManagement>
-</p:properties>
-</file>
-
 <file path=customXml/item3.xml><?xml version="1.0" encoding="utf-8"?>
 <?mso-contentType ?>
 <FormTemplates xmlns="http://schemas.microsoft.com/sharepoint/v3/contenttype/forms">
@@ -29564,6 +29594,23 @@
 </file>
 
 <file path=customXml/itemProps1.xml><?xml version="1.0" encoding="utf-8"?>
+<ds:datastoreItem xmlns:ds="http://schemas.openxmlformats.org/officeDocument/2006/customXml" ds:itemID="{25DE574B-2CD2-4078-9BEA-2A14717D9698}">
+  <ds:schemaRefs>
+    <ds:schemaRef ds:uri="http://schemas.microsoft.com/office/2006/documentManagement/types"/>
+    <ds:schemaRef ds:uri="ef624bc2-1644-4d69-8362-5c28ca496374"/>
+    <ds:schemaRef ds:uri="http://purl.org/dc/terms/"/>
+    <ds:schemaRef ds:uri="http://purl.org/dc/dcmitype/"/>
+    <ds:schemaRef ds:uri="http://schemas.microsoft.com/office/infopath/2007/PartnerControls"/>
+    <ds:schemaRef ds:uri="http://schemas.openxmlformats.org/package/2006/metadata/core-properties"/>
+    <ds:schemaRef ds:uri="514a554b-82b0-4359-b247-fc84018a95f0"/>
+    <ds:schemaRef ds:uri="http://schemas.microsoft.com/office/2006/metadata/properties"/>
+    <ds:schemaRef ds:uri="http://www.w3.org/XML/1998/namespace"/>
+    <ds:schemaRef ds:uri="http://purl.org/dc/elements/1.1/"/>
+  </ds:schemaRefs>
+</ds:datastoreItem>
+</file>
+
+<file path=customXml/itemProps2.xml><?xml version="1.0" encoding="utf-8"?>
 <ds:datastoreItem xmlns:ds="http://schemas.openxmlformats.org/officeDocument/2006/customXml" ds:itemID="{41EF0323-6FE8-41A6-BEA1-CC5178579BBD}">
   <ds:schemaRefs>
     <ds:schemaRef ds:uri="http://schemas.microsoft.com/office/2006/metadata/contentType"/>
@@ -29582,23 +29629,6 @@
 </ds:datastoreItem>
 </file>
 
-<file path=customXml/itemProps2.xml><?xml version="1.0" encoding="utf-8"?>
-<ds:datastoreItem xmlns:ds="http://schemas.openxmlformats.org/officeDocument/2006/customXml" ds:itemID="{25DE574B-2CD2-4078-9BEA-2A14717D9698}">
-  <ds:schemaRefs>
-    <ds:schemaRef ds:uri="http://schemas.microsoft.com/office/2006/documentManagement/types"/>
-    <ds:schemaRef ds:uri="ef624bc2-1644-4d69-8362-5c28ca496374"/>
-    <ds:schemaRef ds:uri="http://purl.org/dc/terms/"/>
-    <ds:schemaRef ds:uri="http://purl.org/dc/dcmitype/"/>
-    <ds:schemaRef ds:uri="http://schemas.microsoft.com/office/infopath/2007/PartnerControls"/>
-    <ds:schemaRef ds:uri="http://schemas.openxmlformats.org/package/2006/metadata/core-properties"/>
-    <ds:schemaRef ds:uri="514a554b-82b0-4359-b247-fc84018a95f0"/>
-    <ds:schemaRef ds:uri="http://schemas.microsoft.com/office/2006/metadata/properties"/>
-    <ds:schemaRef ds:uri="http://www.w3.org/XML/1998/namespace"/>
-    <ds:schemaRef ds:uri="http://purl.org/dc/elements/1.1/"/>
-  </ds:schemaRefs>
-</ds:datastoreItem>
-</file>
-
 <file path=customXml/itemProps3.xml><?xml version="1.0" encoding="utf-8"?>
 <ds:datastoreItem xmlns:ds="http://schemas.openxmlformats.org/officeDocument/2006/customXml" ds:itemID="{B00FC41E-FBDE-42E2-B58A-20EBD240A376}">
   <ds:schemaRefs>

--- a/Templates/testmercredi.pptx
+++ b/Templates/testmercredi.pptx
@@ -403,7 +403,7 @@
           <a:p>
             <a:fld id="{515CCE07-1711-4DC7-A7D8-7ED312C82FB8}" type="datetimeFigureOut">
               <a:rPr lang="fr-FR" smtClean="0"/>
-              <a:t>09/05/2022</a:t>
+              <a:t>13/05/2022</a:t>
             </a:fld>
             <a:endParaRPr lang="fr-FR"/>
           </a:p>
@@ -568,7 +568,7 @@
           <a:p>
             <a:fld id="{014ABEAC-8B63-4BD1-9569-A14EB8752A94}" type="datetimeFigureOut">
               <a:rPr lang="fr-FR" smtClean="0"/>
-              <a:t>09/05/2022</a:t>
+              <a:t>13/05/2022</a:t>
             </a:fld>
             <a:endParaRPr lang="fr-FR"/>
           </a:p>
@@ -2081,15 +2081,7 @@
             </a:r>
             <a:r>
               <a:rPr lang="fr-FR" sz="800" b="1" cap="none" dirty="0"/>
-              <a:t>de droit &lt;droit&gt; présentant un risque de perte en capital partielle ou totale </a:t>
-            </a:r>
-            <a:r>
-              <a:rPr lang="fr-FR" sz="800" b="1" cap="none"/>
-              <a:t>en cours de </a:t>
-            </a:r>
-            <a:r>
-              <a:rPr lang="fr-FR" sz="800" b="1" cap="none" dirty="0"/>
-              <a:t>vie</a:t>
+              <a:t>de droit &lt;droit&gt; présentant un risque de perte en capital partielle ou totale en cours de vie</a:t>
             </a:r>
             <a:r>
               <a:rPr lang="fr-FR" sz="800" b="1" cap="none" baseline="30000" dirty="0"/>
@@ -2219,10 +2211,6 @@
                   <a:schemeClr val="tx2"/>
                 </a:solidFill>
               </a:rPr>
-              <a:t>.</a:t>
-            </a:r>
-            <a:r>
-              <a:rPr lang="fr-FR" sz="800" i="1" cap="none" dirty="0"/>
               <a:t>.</a:t>
             </a:r>
             <a:endParaRPr lang="fr-FR" sz="800" cap="none" dirty="0"/>
@@ -4994,7 +4982,7 @@
         </p:nvSpPr>
         <p:spPr>
           <a:xfrm>
-            <a:off x="361950" y="4428514"/>
+            <a:off x="361950" y="4192294"/>
             <a:ext cx="45719" cy="138398"/>
           </a:xfrm>
           <a:prstGeom prst="rect">
@@ -5044,52 +5032,59 @@
           <p:nvPr>
             <p:extLst>
               <p:ext uri="{D42A27DB-BD31-4B8C-83A1-F6EECF244321}">
-                <p14:modId xmlns:p14="http://schemas.microsoft.com/office/powerpoint/2010/main" val="3254370239"/>
+                <p14:modId xmlns:p14="http://schemas.microsoft.com/office/powerpoint/2010/main" val="2188875007"/>
               </p:ext>
             </p:extLst>
           </p:nvPr>
         </p:nvGraphicFramePr>
         <p:xfrm>
-          <a:off x="1482862" y="8326240"/>
-          <a:ext cx="4898297" cy="558652"/>
+          <a:off x="499188" y="8288140"/>
+          <a:ext cx="6343573" cy="558652"/>
         </p:xfrm>
         <a:graphic>
           <a:graphicData uri="http://schemas.openxmlformats.org/drawingml/2006/table">
             <a:tbl>
               <a:tblPr firstRow="1" bandRow="1"/>
               <a:tblGrid>
-                <a:gridCol w="1529841">
+                <a:gridCol w="2304972">
                   <a:extLst>
                     <a:ext uri="{9D8B030D-6E8A-4147-A177-3AD203B41FA5}">
                       <a16:colId xmlns:a16="http://schemas.microsoft.com/office/drawing/2014/main" val="426783337"/>
                     </a:ext>
                   </a:extLst>
                 </a:gridCol>
-                <a:gridCol w="842114">
+                <a:gridCol w="701040">
                   <a:extLst>
                     <a:ext uri="{9D8B030D-6E8A-4147-A177-3AD203B41FA5}">
                       <a16:colId xmlns:a16="http://schemas.microsoft.com/office/drawing/2014/main" val="1092029791"/>
                     </a:ext>
                   </a:extLst>
                 </a:gridCol>
-                <a:gridCol w="842114">
+                <a:gridCol w="772160">
                   <a:extLst>
                     <a:ext uri="{9D8B030D-6E8A-4147-A177-3AD203B41FA5}">
                       <a16:colId xmlns:a16="http://schemas.microsoft.com/office/drawing/2014/main" val="2835768170"/>
                     </a:ext>
                   </a:extLst>
                 </a:gridCol>
-                <a:gridCol w="842114">
+                <a:gridCol w="889000">
                   <a:extLst>
                     <a:ext uri="{9D8B030D-6E8A-4147-A177-3AD203B41FA5}">
                       <a16:colId xmlns:a16="http://schemas.microsoft.com/office/drawing/2014/main" val="2946066054"/>
                     </a:ext>
                   </a:extLst>
                 </a:gridCol>
-                <a:gridCol w="842114">
+                <a:gridCol w="807720">
                   <a:extLst>
                     <a:ext uri="{9D8B030D-6E8A-4147-A177-3AD203B41FA5}">
                       <a16:colId xmlns:a16="http://schemas.microsoft.com/office/drawing/2014/main" val="2045902365"/>
+                    </a:ext>
+                  </a:extLst>
+                </a:gridCol>
+                <a:gridCol w="868681">
+                  <a:extLst>
+                    <a:ext uri="{9D8B030D-6E8A-4147-A177-3AD203B41FA5}">
+                      <a16:colId xmlns:a16="http://schemas.microsoft.com/office/drawing/2014/main" val="4159666098"/>
                     </a:ext>
                   </a:extLst>
                 </a:gridCol>
@@ -5100,16 +5095,10 @@
                     <a:bodyPr/>
                     <a:lstStyle/>
                     <a:p>
-                      <a:pPr algn="ctr" rtl="0" fontAlgn="ctr"/>
+                      <a:pPr algn="l" rtl="0" fontAlgn="ctr"/>
                       <a:r>
-                        <a:rPr lang="fr-FR" sz="800" b="1" i="0" u="none" strike="noStrike" dirty="0">
-                          <a:solidFill>
-                            <a:srgbClr val="04202E"/>
-                          </a:solidFill>
-                          <a:effectLst/>
-                          <a:latin typeface="Proxima Nova Rg" panose="02000506030000020004" pitchFamily="2" charset="0"/>
-                        </a:rPr>
-                        <a:t>Performances au &lt;DDR&gt; (&lt;DIVIDENDE&gt;)</a:t>
+                        <a:rPr lang="fr-FR" sz="800" dirty="0"/>
+                        <a:t>Performances au &lt;DDR&gt;</a:t>
                       </a:r>
                     </a:p>
                   </a:txBody>
@@ -5145,9 +5134,9 @@
                     <a:bodyPr/>
                     <a:lstStyle/>
                     <a:p>
-                      <a:pPr algn="ctr" rtl="0" fontAlgn="ctr"/>
+                      <a:pPr algn="l" rtl="0" fontAlgn="ctr"/>
                       <a:r>
-                        <a:rPr lang="fr-FR" sz="800" b="1" i="0" u="none" strike="noStrike">
+                        <a:rPr lang="fr-FR" sz="800" b="1" i="0" u="none" strike="noStrike" dirty="0">
                           <a:solidFill>
                             <a:srgbClr val="04202E"/>
                           </a:solidFill>
@@ -5190,7 +5179,7 @@
                     <a:bodyPr/>
                     <a:lstStyle/>
                     <a:p>
-                      <a:pPr algn="ctr" rtl="0" fontAlgn="ctr"/>
+                      <a:pPr algn="l" rtl="0" fontAlgn="ctr"/>
                       <a:r>
                         <a:rPr lang="fr-FR" sz="800" b="1" i="0" u="none" strike="noStrike" dirty="0">
                           <a:solidFill>
@@ -5235,7 +5224,7 @@
                     <a:bodyPr/>
                     <a:lstStyle/>
                     <a:p>
-                      <a:pPr algn="ctr" rtl="0" fontAlgn="ctr"/>
+                      <a:pPr algn="l" rtl="0" fontAlgn="ctr"/>
                       <a:r>
                         <a:rPr lang="fr-FR" sz="800" b="1" i="0" u="none" strike="noStrike" dirty="0">
                           <a:solidFill>
@@ -5280,7 +5269,7 @@
                     <a:bodyPr/>
                     <a:lstStyle/>
                     <a:p>
-                      <a:pPr algn="ctr" rtl="0" fontAlgn="ctr"/>
+                      <a:pPr algn="l" rtl="0" fontAlgn="ctr"/>
                       <a:r>
                         <a:rPr lang="fr-FR" sz="800" b="1" i="0" u="none" strike="noStrike" dirty="0">
                           <a:solidFill>
@@ -5289,7 +5278,52 @@
                           <a:effectLst/>
                           <a:latin typeface="Proxima Nova Rg" panose="02000506030000020004" pitchFamily="2" charset="0"/>
                         </a:rPr>
-                        <a:t>7 ans</a:t>
+                        <a:t>8 ans</a:t>
+                      </a:r>
+                    </a:p>
+                  </a:txBody>
+                  <a:tcPr marL="9525" marR="9525" marT="9525" marB="0" anchor="ctr">
+                    <a:lnL>
+                      <a:noFill/>
+                    </a:lnL>
+                    <a:lnR>
+                      <a:noFill/>
+                    </a:lnR>
+                    <a:lnT w="12700" cap="flat" cmpd="sng" algn="ctr">
+                      <a:solidFill>
+                        <a:srgbClr val="B9A049"/>
+                      </a:solidFill>
+                      <a:prstDash val="solid"/>
+                      <a:round/>
+                      <a:headEnd type="none" w="med" len="med"/>
+                      <a:tailEnd type="none" w="med" len="med"/>
+                    </a:lnT>
+                    <a:lnB w="12700" cap="flat" cmpd="sng" algn="ctr">
+                      <a:solidFill>
+                        <a:srgbClr val="B9A049"/>
+                      </a:solidFill>
+                      <a:prstDash val="solid"/>
+                      <a:round/>
+                      <a:headEnd type="none" w="med" len="med"/>
+                      <a:tailEnd type="none" w="med" len="med"/>
+                    </a:lnB>
+                  </a:tcPr>
+                </a:tc>
+                <a:tc>
+                  <a:txBody>
+                    <a:bodyPr/>
+                    <a:lstStyle/>
+                    <a:p>
+                      <a:pPr algn="l" rtl="0" fontAlgn="ctr"/>
+                      <a:r>
+                        <a:rPr lang="fr-FR" sz="800" b="1" i="0" u="none" strike="noStrike" dirty="0">
+                          <a:solidFill>
+                            <a:srgbClr val="04202E"/>
+                          </a:solidFill>
+                          <a:effectLst/>
+                          <a:latin typeface="Proxima Nova Rg" panose="02000506030000020004" pitchFamily="2" charset="0"/>
+                        </a:rPr>
+                        <a:t>12 ans</a:t>
                       </a:r>
                     </a:p>
                   </a:txBody>
@@ -5333,18 +5367,59 @@
                     <a:lstStyle/>
                     <a:p>
                       <a:pPr marL="0" algn="ctr" defTabSz="755934" rtl="0" eaLnBrk="1" fontAlgn="ctr" latinLnBrk="0" hangingPunct="1"/>
-                      <a:r>
-                        <a:rPr lang="fr-FR" sz="800" b="1" i="0" u="none" strike="noStrike" kern="1200" dirty="0">
-                          <a:solidFill>
-                            <a:srgbClr val="004F74"/>
-                          </a:solidFill>
-                          <a:effectLst/>
-                          <a:latin typeface="Proxima Nova Rg" panose="02000506030000020004" pitchFamily="2" charset="0"/>
-                          <a:ea typeface="+mn-ea"/>
-                          <a:cs typeface="+mn-cs"/>
-                        </a:rPr>
-                        <a:t>&lt;NOMSOUSJACENT&gt;</a:t>
-                      </a:r>
+                      <a:endParaRPr lang="fr-FR" sz="800" b="1" i="0" u="none" strike="noStrike" kern="1200" dirty="0">
+                        <a:solidFill>
+                          <a:srgbClr val="004F74"/>
+                        </a:solidFill>
+                        <a:effectLst/>
+                        <a:latin typeface="Proxima Nova Rg" panose="02000506030000020004" pitchFamily="2" charset="0"/>
+                        <a:ea typeface="+mn-ea"/>
+                        <a:cs typeface="+mn-cs"/>
+                      </a:endParaRPr>
+                    </a:p>
+                  </a:txBody>
+                  <a:tcPr marL="9525" marR="9525" marT="9525" marB="0" anchor="ctr">
+                    <a:lnL>
+                      <a:noFill/>
+                    </a:lnL>
+                    <a:lnR>
+                      <a:noFill/>
+                    </a:lnR>
+                    <a:lnT w="12700" cap="flat" cmpd="sng" algn="ctr">
+                      <a:solidFill>
+                        <a:srgbClr val="B9A049"/>
+                      </a:solidFill>
+                      <a:prstDash val="solid"/>
+                      <a:round/>
+                      <a:headEnd type="none" w="med" len="med"/>
+                      <a:tailEnd type="none" w="med" len="med"/>
+                    </a:lnT>
+                    <a:lnB w="12700" cap="flat" cmpd="sng" algn="ctr">
+                      <a:solidFill>
+                        <a:srgbClr val="B9A049"/>
+                      </a:solidFill>
+                      <a:prstDash val="solid"/>
+                      <a:round/>
+                      <a:headEnd type="none" w="med" len="med"/>
+                      <a:tailEnd type="none" w="med" len="med"/>
+                    </a:lnB>
+                  </a:tcPr>
+                </a:tc>
+                <a:tc>
+                  <a:txBody>
+                    <a:bodyPr/>
+                    <a:lstStyle/>
+                    <a:p>
+                      <a:pPr marL="0" algn="ctr" defTabSz="755934" rtl="0" eaLnBrk="1" fontAlgn="ctr" latinLnBrk="0" hangingPunct="1"/>
+                      <a:endParaRPr lang="fr-FR" sz="800" b="1" i="0" u="none" strike="noStrike" kern="1200" dirty="0">
+                        <a:solidFill>
+                          <a:srgbClr val="004F74"/>
+                        </a:solidFill>
+                        <a:effectLst/>
+                        <a:latin typeface="Proxima Nova Rg" panose="02000506030000020004" pitchFamily="2" charset="0"/>
+                        <a:ea typeface="+mn-ea"/>
+                        <a:cs typeface="+mn-cs"/>
+                      </a:endParaRPr>
                     </a:p>
                   </a:txBody>
                   <a:tcPr marL="9525" marR="9525" marT="9525" marB="0" anchor="ctr">
@@ -5590,7 +5665,7 @@
           <a:p>
             <a:pPr lvl="1" algn="just"/>
             <a:r>
-              <a:rPr lang="fr-FR" sz="700" i="1">
+              <a:rPr lang="fr-FR" sz="700" i="1" dirty="0">
                 <a:solidFill>
                   <a:schemeClr val="tx2"/>
                 </a:solidFill>
@@ -5850,7 +5925,7 @@
         </p:nvSpPr>
         <p:spPr>
           <a:xfrm>
-            <a:off x="458462" y="4382561"/>
+            <a:off x="458462" y="4132815"/>
             <a:ext cx="7248779" cy="276999"/>
           </a:xfrm>
           <a:prstGeom prst="rect">
@@ -6273,14 +6348,14 @@
           <p:nvPr>
             <p:extLst>
               <p:ext uri="{D42A27DB-BD31-4B8C-83A1-F6EECF244321}">
-                <p14:modId xmlns:p14="http://schemas.microsoft.com/office/powerpoint/2010/main" val="1982990457"/>
+                <p14:modId xmlns:p14="http://schemas.microsoft.com/office/powerpoint/2010/main" val="992867487"/>
               </p:ext>
             </p:extLst>
           </p:nvPr>
         </p:nvGraphicFramePr>
         <p:xfrm>
           <a:off x="361950" y="979297"/>
-          <a:ext cx="6837886" cy="7496715"/>
+          <a:ext cx="6837886" cy="7610507"/>
         </p:xfrm>
         <a:graphic>
           <a:graphicData uri="http://schemas.openxmlformats.org/drawingml/2006/table">
@@ -6304,7 +6379,7 @@
                   </a:extLst>
                 </a:gridCol>
               </a:tblGrid>
-              <a:tr h="268891">
+              <a:tr h="0">
                 <a:tc>
                   <a:txBody>
                     <a:bodyPr/>
@@ -6340,7 +6415,7 @@
                       </a:r>
                     </a:p>
                   </a:txBody>
-                  <a:tcPr marL="72000" marR="72000" marT="46800" marB="46800" anchor="ctr">
+                  <a:tcPr marL="72000" marR="72000" marT="46800" marB="46800" anchor="ctr" horzOverflow="overflow">
                     <a:lnL w="12700" cap="flat" cmpd="sng" algn="ctr">
                       <a:solidFill>
                         <a:schemeClr val="bg1">
@@ -6363,9 +6438,7 @@
                     </a:lnR>
                     <a:lnT w="12700" cap="flat" cmpd="sng" algn="ctr">
                       <a:solidFill>
-                        <a:schemeClr val="bg1">
-                          <a:lumMod val="85000"/>
-                        </a:schemeClr>
+                        <a:schemeClr val="bg1"/>
                       </a:solidFill>
                       <a:prstDash val="solid"/>
                       <a:round/>
@@ -6401,10 +6474,22 @@
                     <a:bodyPr/>
                     <a:lstStyle/>
                     <a:p>
-                      <a:pPr algn="just">
+                      <a:pPr marL="0" marR="0" lvl="0" indent="0" algn="just" defTabSz="1042988" rtl="0" eaLnBrk="1" fontAlgn="base" latinLnBrk="0" hangingPunct="1">
                         <a:lnSpc>
-                          <a:spcPct val="90000"/>
+                          <a:spcPct val="100000"/>
                         </a:lnSpc>
+                        <a:spcBef>
+                          <a:spcPct val="0"/>
+                        </a:spcBef>
+                        <a:spcAft>
+                          <a:spcPct val="0"/>
+                        </a:spcAft>
+                        <a:buClrTx/>
+                        <a:buSzTx/>
+                        <a:buFontTx/>
+                        <a:buNone/>
+                        <a:tabLst/>
+                        <a:defRPr/>
                       </a:pPr>
                       <a:r>
                         <a:rPr lang="fr-FR" sz="700" b="1" i="0" dirty="0">
@@ -6493,8 +6578,41 @@
                         <a:t>produit présente un risque de perte en capital à hauteur de l’intégralité de la baisse enregistrée par &lt;SJR1&gt;.</a:t>
                       </a:r>
                     </a:p>
+                    <a:p>
+                      <a:pPr marL="0" marR="0" lvl="0" indent="0" algn="just" defTabSz="1042988" rtl="0" eaLnBrk="1" fontAlgn="base" latinLnBrk="0" hangingPunct="1">
+                        <a:lnSpc>
+                          <a:spcPct val="100000"/>
+                        </a:lnSpc>
+                        <a:spcBef>
+                          <a:spcPct val="0"/>
+                        </a:spcBef>
+                        <a:spcAft>
+                          <a:spcPct val="0"/>
+                        </a:spcAft>
+                        <a:buClrTx/>
+                        <a:buSzTx/>
+                        <a:buFontTx/>
+                        <a:buNone/>
+                        <a:tabLst/>
+                        <a:defRPr/>
+                      </a:pPr>
+                      <a:endParaRPr kumimoji="0" lang="fr-FR" sz="700" b="0" i="0" u="none" strike="noStrike" kern="1200" cap="none" spc="0" normalizeH="0" baseline="30000" noProof="0" dirty="0">
+                        <a:ln>
+                          <a:noFill/>
+                        </a:ln>
+                        <a:solidFill>
+                          <a:schemeClr val="tx1"/>
+                        </a:solidFill>
+                        <a:effectLst/>
+                        <a:uLnTx/>
+                        <a:uFillTx/>
+                        <a:latin typeface="+mn-lt"/>
+                        <a:ea typeface="+mn-ea"/>
+                        <a:cs typeface="+mn-cs"/>
+                      </a:endParaRPr>
+                    </a:p>
                   </a:txBody>
-                  <a:tcPr marL="36000" marR="36000" marT="46800" marB="46800" anchor="ctr">
+                  <a:tcPr marL="72000" marR="72000" marT="46800" marB="46800" anchor="ctr" horzOverflow="overflow">
                     <a:lnL w="12700" cap="flat" cmpd="sng" algn="ctr">
                       <a:solidFill>
                         <a:schemeClr val="bg1"/>
@@ -6550,7 +6668,7 @@
                 </a:tc>
                 <a:extLst>
                   <a:ext uri="{0D108BD9-81ED-4DB2-BD59-A6C34878D82A}">
-                    <a16:rowId xmlns:a16="http://schemas.microsoft.com/office/drawing/2014/main" val="3737194071"/>
+                    <a16:rowId xmlns:a16="http://schemas.microsoft.com/office/drawing/2014/main" val="3895480035"/>
                   </a:ext>
                 </a:extLst>
               </a:tr>
@@ -6578,7 +6696,7 @@
                         <a:defRPr/>
                       </a:pPr>
                       <a:r>
-                        <a:rPr lang="fr-FR" sz="700" b="1" kern="1200">
+                        <a:rPr lang="fr-FR" sz="700" b="1" kern="1200" dirty="0">
                           <a:solidFill>
                             <a:srgbClr val="B9A049"/>
                           </a:solidFill>
@@ -13620,7 +13738,7 @@
         <p:spPr>
           <a:xfrm>
             <a:off x="458462" y="974579"/>
-            <a:ext cx="6741374" cy="3830279"/>
+            <a:ext cx="6741374" cy="4043671"/>
           </a:xfrm>
           <a:prstGeom prst="rect">
             <a:avLst/>
@@ -14661,16 +14779,7 @@
                 <a:ea typeface="+mn-ea"/>
                 <a:cs typeface="+mn-cs"/>
               </a:rPr>
-              <a:t>n’enregistre pas de baisse de plus de &lt;PDIPERF&gt; par rapport à son &lt;NDR&gt;, l’investisseur accepte de limiter ses &lt;GC&gt;s en cas de forte hausse &lt;SJR7&gt; (Taux de Rendement Annuel net maximum de &lt;TRA.F</a:t>
-            </a:r>
-            <a:r>
-              <a:rPr lang="fr-FR" sz="800" dirty="0">
-                <a:solidFill>
-                  <a:schemeClr val="tx1"/>
-                </a:solidFill>
-                <a:latin typeface="Proxima Nova Rg"/>
-              </a:rPr>
-              <a:t>.</a:t>
+              <a:t>n’enregistre pas de baisse de plus de &lt;PDIPERF&gt; par rapport à son &lt;NDR&gt;, l’investisseur accepte de limiter ses &lt;GC&gt;s en cas de forte hausse &lt;SJR7&gt; (Taux de Rendement Annuel net maximum de </a:t>
             </a:r>
             <a:r>
               <a:rPr kumimoji="0" lang="fr-FR" sz="800" b="0" i="0" u="none" strike="noStrike" kern="1200" cap="none" spc="0" normalizeH="0" baseline="0" noProof="0" dirty="0">
@@ -14681,13 +14790,16 @@
                   <a:schemeClr val="tx1"/>
                 </a:solidFill>
                 <a:effectLst/>
+                <a:highlight>
+                  <a:srgbClr val="FFFF00"/>
+                </a:highlight>
                 <a:uLnTx/>
                 <a:uFillTx/>
                 <a:latin typeface="Proxima Nova Rg"/>
                 <a:ea typeface="+mn-ea"/>
                 <a:cs typeface="+mn-cs"/>
               </a:rPr>
-              <a:t>A&gt;</a:t>
+              <a:t>&lt;TRA.F.A&gt; </a:t>
             </a:r>
             <a:r>
               <a:rPr kumimoji="0" lang="fr-FR" sz="800" b="0" i="0" u="none" strike="noStrike" kern="1200" cap="none" spc="0" normalizeH="0" baseline="30000" noProof="0" dirty="0">
@@ -14704,7 +14816,7 @@
                 <a:ea typeface="+mn-ea"/>
                 <a:cs typeface="+mn-cs"/>
               </a:rPr>
-              <a:t>(2)</a:t>
+              <a:t>( 2)</a:t>
             </a:r>
             <a:r>
               <a:rPr kumimoji="0" lang="fr-FR" sz="800" b="0" i="0" u="none" strike="noStrike" kern="1200" cap="none" spc="0" normalizeH="0" baseline="0" noProof="0" dirty="0">
@@ -14721,8 +14833,33 @@
                 <a:ea typeface="+mn-ea"/>
                 <a:cs typeface="+mn-cs"/>
               </a:rPr>
-              <a:t>).</a:t>
-            </a:r>
+              <a:t>.</a:t>
+            </a:r>
+          </a:p>
+          <a:p>
+            <a:pPr marL="0" marR="0" lvl="1" indent="0" algn="just" defTabSz="755934" rtl="0" eaLnBrk="1" fontAlgn="auto" latinLnBrk="0" hangingPunct="1">
+              <a:lnSpc>
+                <a:spcPct val="90000"/>
+              </a:lnSpc>
+              <a:spcBef>
+                <a:spcPts val="600"/>
+              </a:spcBef>
+              <a:spcAft>
+                <a:spcPts val="200"/>
+              </a:spcAft>
+              <a:buClrTx/>
+              <a:buSzTx/>
+              <a:buFont typeface="Arial" panose="020B0604020202020204" pitchFamily="34" charset="0"/>
+              <a:buNone/>
+              <a:tabLst/>
+              <a:defRPr/>
+            </a:pPr>
+            <a:endParaRPr lang="fr-FR" sz="800" noProof="0" dirty="0">
+              <a:solidFill>
+                <a:schemeClr val="tx1"/>
+              </a:solidFill>
+              <a:latin typeface="Proxima Nova Rg"/>
+            </a:endParaRPr>
           </a:p>
           <a:p>
             <a:pPr marL="0" marR="0" lvl="1" indent="0" algn="just" defTabSz="755934" rtl="0" eaLnBrk="1" fontAlgn="auto" latinLnBrk="0" hangingPunct="1">
@@ -29354,11 +29491,12 @@
 </file>
 
 <file path=customXml/item1.xml><?xml version="1.0" encoding="utf-8"?>
-<p:properties xmlns:p="http://schemas.microsoft.com/office/2006/metadata/properties" xmlns:xsi="http://www.w3.org/2001/XMLSchema-instance" xmlns:pc="http://schemas.microsoft.com/office/infopath/2007/PartnerControls">
-  <documentManagement>
-    <_Flow_SignoffStatus xmlns="ef624bc2-1644-4d69-8362-5c28ca496374" xsi:nil="true"/>
-  </documentManagement>
-</p:properties>
+<?mso-contentType ?>
+<FormTemplates xmlns="http://schemas.microsoft.com/sharepoint/v3/contenttype/forms">
+  <Display>DocumentLibraryForm</Display>
+  <Edit>DocumentLibraryForm</Edit>
+  <New>DocumentLibraryForm</New>
+</FormTemplates>
 </file>
 
 <file path=customXml/item2.xml><?xml version="1.0" encoding="utf-8"?>
@@ -29585,27 +29723,17 @@
 </file>
 
 <file path=customXml/item3.xml><?xml version="1.0" encoding="utf-8"?>
-<?mso-contentType ?>
-<FormTemplates xmlns="http://schemas.microsoft.com/sharepoint/v3/contenttype/forms">
-  <Display>DocumentLibraryForm</Display>
-  <Edit>DocumentLibraryForm</Edit>
-  <New>DocumentLibraryForm</New>
-</FormTemplates>
+<p:properties xmlns:p="http://schemas.microsoft.com/office/2006/metadata/properties" xmlns:xsi="http://www.w3.org/2001/XMLSchema-instance" xmlns:pc="http://schemas.microsoft.com/office/infopath/2007/PartnerControls">
+  <documentManagement>
+    <_Flow_SignoffStatus xmlns="ef624bc2-1644-4d69-8362-5c28ca496374" xsi:nil="true"/>
+  </documentManagement>
+</p:properties>
 </file>
 
 <file path=customXml/itemProps1.xml><?xml version="1.0" encoding="utf-8"?>
-<ds:datastoreItem xmlns:ds="http://schemas.openxmlformats.org/officeDocument/2006/customXml" ds:itemID="{25DE574B-2CD2-4078-9BEA-2A14717D9698}">
+<ds:datastoreItem xmlns:ds="http://schemas.openxmlformats.org/officeDocument/2006/customXml" ds:itemID="{B00FC41E-FBDE-42E2-B58A-20EBD240A376}">
   <ds:schemaRefs>
-    <ds:schemaRef ds:uri="http://schemas.microsoft.com/office/2006/documentManagement/types"/>
-    <ds:schemaRef ds:uri="ef624bc2-1644-4d69-8362-5c28ca496374"/>
-    <ds:schemaRef ds:uri="http://purl.org/dc/terms/"/>
-    <ds:schemaRef ds:uri="http://purl.org/dc/dcmitype/"/>
-    <ds:schemaRef ds:uri="http://schemas.microsoft.com/office/infopath/2007/PartnerControls"/>
-    <ds:schemaRef ds:uri="http://schemas.openxmlformats.org/package/2006/metadata/core-properties"/>
-    <ds:schemaRef ds:uri="514a554b-82b0-4359-b247-fc84018a95f0"/>
-    <ds:schemaRef ds:uri="http://schemas.microsoft.com/office/2006/metadata/properties"/>
-    <ds:schemaRef ds:uri="http://www.w3.org/XML/1998/namespace"/>
-    <ds:schemaRef ds:uri="http://purl.org/dc/elements/1.1/"/>
+    <ds:schemaRef ds:uri="http://schemas.microsoft.com/sharepoint/v3/contenttype/forms"/>
   </ds:schemaRefs>
 </ds:datastoreItem>
 </file>
@@ -29630,9 +29758,18 @@
 </file>
 
 <file path=customXml/itemProps3.xml><?xml version="1.0" encoding="utf-8"?>
-<ds:datastoreItem xmlns:ds="http://schemas.openxmlformats.org/officeDocument/2006/customXml" ds:itemID="{B00FC41E-FBDE-42E2-B58A-20EBD240A376}">
+<ds:datastoreItem xmlns:ds="http://schemas.openxmlformats.org/officeDocument/2006/customXml" ds:itemID="{25DE574B-2CD2-4078-9BEA-2A14717D9698}">
   <ds:schemaRefs>
-    <ds:schemaRef ds:uri="http://schemas.microsoft.com/sharepoint/v3/contenttype/forms"/>
+    <ds:schemaRef ds:uri="http://schemas.microsoft.com/office/2006/documentManagement/types"/>
+    <ds:schemaRef ds:uri="ef624bc2-1644-4d69-8362-5c28ca496374"/>
+    <ds:schemaRef ds:uri="http://purl.org/dc/terms/"/>
+    <ds:schemaRef ds:uri="http://purl.org/dc/dcmitype/"/>
+    <ds:schemaRef ds:uri="http://schemas.microsoft.com/office/infopath/2007/PartnerControls"/>
+    <ds:schemaRef ds:uri="http://schemas.openxmlformats.org/package/2006/metadata/core-properties"/>
+    <ds:schemaRef ds:uri="514a554b-82b0-4359-b247-fc84018a95f0"/>
+    <ds:schemaRef ds:uri="http://schemas.microsoft.com/office/2006/metadata/properties"/>
+    <ds:schemaRef ds:uri="http://www.w3.org/XML/1998/namespace"/>
+    <ds:schemaRef ds:uri="http://purl.org/dc/elements/1.1/"/>
   </ds:schemaRefs>
 </ds:datastoreItem>
 </file>
--- a/Templates/testmercredi.pptx
+++ b/Templates/testmercredi.pptx
@@ -403,7 +403,7 @@
           <a:p>
             <a:fld id="{515CCE07-1711-4DC7-A7D8-7ED312C82FB8}" type="datetimeFigureOut">
               <a:rPr lang="fr-FR" smtClean="0"/>
-              <a:t>13/05/2022</a:t>
+              <a:t>16/05/2022</a:t>
             </a:fld>
             <a:endParaRPr lang="fr-FR"/>
           </a:p>
@@ -568,7 +568,7 @@
           <a:p>
             <a:fld id="{014ABEAC-8B63-4BD1-9569-A14EB8752A94}" type="datetimeFigureOut">
               <a:rPr lang="fr-FR" smtClean="0"/>
-              <a:t>13/05/2022</a:t>
+              <a:t>16/05/2022</a:t>
             </a:fld>
             <a:endParaRPr lang="fr-FR"/>
           </a:p>
@@ -2466,7 +2466,7 @@
                   <a:srgbClr val="000000"/>
                 </a:solidFill>
               </a:rPr>
-              <a:t>Ce document à caractère promotionnel s’adresse à des investisseurs situés en France</a:t>
+              <a:t>Ce document à caractère promotionnel s’adresse à des investisseurs situés en France.</a:t>
             </a:r>
           </a:p>
           <a:p>
@@ -6348,14 +6348,14 @@
           <p:nvPr>
             <p:extLst>
               <p:ext uri="{D42A27DB-BD31-4B8C-83A1-F6EECF244321}">
-                <p14:modId xmlns:p14="http://schemas.microsoft.com/office/powerpoint/2010/main" val="992867487"/>
+                <p14:modId xmlns:p14="http://schemas.microsoft.com/office/powerpoint/2010/main" val="3182146092"/>
               </p:ext>
             </p:extLst>
           </p:nvPr>
         </p:nvGraphicFramePr>
         <p:xfrm>
           <a:off x="361950" y="979297"/>
-          <a:ext cx="6837886" cy="7610507"/>
+          <a:ext cx="6837886" cy="7690391"/>
         </p:xfrm>
         <a:graphic>
           <a:graphicData uri="http://schemas.openxmlformats.org/drawingml/2006/table">
@@ -6402,6 +6402,191 @@
                         <a:tabLst/>
                         <a:defRPr/>
                       </a:pPr>
+                      <a:endParaRPr lang="fr-FR" sz="700" b="1" kern="1200" dirty="0">
+                        <a:solidFill>
+                          <a:srgbClr val="B9A049"/>
+                        </a:solidFill>
+                        <a:latin typeface="+mn-lt"/>
+                        <a:ea typeface="+mn-ea"/>
+                        <a:cs typeface="+mn-cs"/>
+                      </a:endParaRPr>
+                    </a:p>
+                  </a:txBody>
+                  <a:tcPr marL="72000" marR="72000" marT="46800" marB="46800" anchor="ctr" horzOverflow="overflow">
+                    <a:lnL w="12700" cap="flat" cmpd="sng" algn="ctr">
+                      <a:solidFill>
+                        <a:schemeClr val="bg1">
+                          <a:lumMod val="85000"/>
+                        </a:schemeClr>
+                      </a:solidFill>
+                      <a:prstDash val="solid"/>
+                      <a:round/>
+                      <a:headEnd type="none" w="med" len="med"/>
+                      <a:tailEnd type="none" w="med" len="med"/>
+                    </a:lnL>
+                    <a:lnR w="12700" cap="flat" cmpd="sng" algn="ctr">
+                      <a:solidFill>
+                        <a:schemeClr val="bg1"/>
+                      </a:solidFill>
+                      <a:prstDash val="solid"/>
+                      <a:round/>
+                      <a:headEnd type="none" w="med" len="med"/>
+                      <a:tailEnd type="none" w="med" len="med"/>
+                    </a:lnR>
+                    <a:lnT w="12700" cap="flat" cmpd="sng" algn="ctr">
+                      <a:solidFill>
+                        <a:schemeClr val="bg1"/>
+                      </a:solidFill>
+                      <a:prstDash val="solid"/>
+                      <a:round/>
+                      <a:headEnd type="none" w="med" len="med"/>
+                      <a:tailEnd type="none" w="med" len="med"/>
+                    </a:lnT>
+                    <a:lnB w="12700" cap="flat" cmpd="sng" algn="ctr">
+                      <a:solidFill>
+                        <a:schemeClr val="bg1"/>
+                      </a:solidFill>
+                      <a:prstDash val="solid"/>
+                      <a:round/>
+                      <a:headEnd type="none" w="med" len="med"/>
+                      <a:tailEnd type="none" w="med" len="med"/>
+                    </a:lnB>
+                    <a:lnTlToBr w="12700" cmpd="sng">
+                      <a:noFill/>
+                      <a:prstDash val="solid"/>
+                    </a:lnTlToBr>
+                    <a:lnBlToTr w="12700" cmpd="sng">
+                      <a:noFill/>
+                      <a:prstDash val="solid"/>
+                    </a:lnBlToTr>
+                    <a:solidFill>
+                      <a:schemeClr val="bg1">
+                        <a:lumMod val="95000"/>
+                      </a:schemeClr>
+                    </a:solidFill>
+                  </a:tcPr>
+                </a:tc>
+                <a:tc>
+                  <a:txBody>
+                    <a:bodyPr/>
+                    <a:lstStyle/>
+                    <a:p>
+                      <a:pPr marL="0" marR="0" lvl="0" indent="0" algn="just" defTabSz="1042988" rtl="0" eaLnBrk="1" fontAlgn="base" latinLnBrk="0" hangingPunct="1">
+                        <a:lnSpc>
+                          <a:spcPct val="100000"/>
+                        </a:lnSpc>
+                        <a:spcBef>
+                          <a:spcPct val="0"/>
+                        </a:spcBef>
+                        <a:spcAft>
+                          <a:spcPct val="0"/>
+                        </a:spcAft>
+                        <a:buClrTx/>
+                        <a:buSzTx/>
+                        <a:buFontTx/>
+                        <a:buNone/>
+                        <a:tabLst/>
+                        <a:defRPr/>
+                      </a:pPr>
+                      <a:endParaRPr kumimoji="0" lang="fr-FR" sz="700" b="0" i="0" u="none" strike="noStrike" kern="1200" cap="none" spc="0" normalizeH="0" baseline="30000" noProof="0" dirty="0">
+                        <a:ln>
+                          <a:noFill/>
+                        </a:ln>
+                        <a:solidFill>
+                          <a:schemeClr val="tx1"/>
+                        </a:solidFill>
+                        <a:effectLst/>
+                        <a:uLnTx/>
+                        <a:uFillTx/>
+                        <a:latin typeface="+mn-lt"/>
+                        <a:ea typeface="+mn-ea"/>
+                        <a:cs typeface="+mn-cs"/>
+                      </a:endParaRPr>
+                    </a:p>
+                  </a:txBody>
+                  <a:tcPr marL="72000" marR="72000" marT="46800" marB="46800" anchor="ctr" horzOverflow="overflow">
+                    <a:lnL w="12700" cap="flat" cmpd="sng" algn="ctr">
+                      <a:solidFill>
+                        <a:schemeClr val="bg1"/>
+                      </a:solidFill>
+                      <a:prstDash val="solid"/>
+                      <a:round/>
+                      <a:headEnd type="none" w="med" len="med"/>
+                      <a:tailEnd type="none" w="med" len="med"/>
+                    </a:lnL>
+                    <a:lnR w="6350" cap="flat" cmpd="sng" algn="ctr">
+                      <a:solidFill>
+                        <a:schemeClr val="bg1">
+                          <a:lumMod val="65000"/>
+                        </a:schemeClr>
+                      </a:solidFill>
+                      <a:prstDash val="solid"/>
+                      <a:round/>
+                      <a:headEnd type="none" w="med" len="med"/>
+                      <a:tailEnd type="none" w="med" len="med"/>
+                    </a:lnR>
+                    <a:lnT w="6350" cap="flat" cmpd="sng" algn="ctr">
+                      <a:solidFill>
+                        <a:schemeClr val="bg1">
+                          <a:lumMod val="65000"/>
+                        </a:schemeClr>
+                      </a:solidFill>
+                      <a:prstDash val="solid"/>
+                      <a:round/>
+                      <a:headEnd type="none" w="med" len="med"/>
+                      <a:tailEnd type="none" w="med" len="med"/>
+                    </a:lnT>
+                    <a:lnB w="6350" cap="flat" cmpd="sng" algn="ctr">
+                      <a:solidFill>
+                        <a:schemeClr val="bg1">
+                          <a:lumMod val="65000"/>
+                        </a:schemeClr>
+                      </a:solidFill>
+                      <a:prstDash val="solid"/>
+                      <a:round/>
+                      <a:headEnd type="none" w="med" len="med"/>
+                      <a:tailEnd type="none" w="med" len="med"/>
+                    </a:lnB>
+                    <a:lnTlToBr w="12700" cmpd="sng">
+                      <a:noFill/>
+                      <a:prstDash val="solid"/>
+                    </a:lnTlToBr>
+                    <a:lnBlToTr w="12700" cmpd="sng">
+                      <a:noFill/>
+                      <a:prstDash val="solid"/>
+                    </a:lnBlToTr>
+                    <a:noFill/>
+                  </a:tcPr>
+                </a:tc>
+                <a:extLst>
+                  <a:ext uri="{0D108BD9-81ED-4DB2-BD59-A6C34878D82A}">
+                    <a16:rowId xmlns:a16="http://schemas.microsoft.com/office/drawing/2014/main" val="1531136711"/>
+                  </a:ext>
+                </a:extLst>
+              </a:tr>
+              <a:tr h="0">
+                <a:tc>
+                  <a:txBody>
+                    <a:bodyPr/>
+                    <a:lstStyle/>
+                    <a:p>
+                      <a:pPr marL="0" marR="0" lvl="0" indent="0" algn="l" defTabSz="755934" rtl="0" eaLnBrk="1" fontAlgn="auto" latinLnBrk="0" hangingPunct="1">
+                        <a:lnSpc>
+                          <a:spcPct val="90000"/>
+                        </a:lnSpc>
+                        <a:spcBef>
+                          <a:spcPts val="0"/>
+                        </a:spcBef>
+                        <a:spcAft>
+                          <a:spcPts val="0"/>
+                        </a:spcAft>
+                        <a:buClrTx/>
+                        <a:buSzTx/>
+                        <a:buFontTx/>
+                        <a:buNone/>
+                        <a:tabLst/>
+                        <a:defRPr/>
+                      </a:pPr>
                       <a:r>
                         <a:rPr lang="fr-FR" sz="700" b="1" kern="1200" dirty="0">
                           <a:solidFill>
@@ -6413,6 +6598,33 @@
                         </a:rPr>
                         <a:t>Forme</a:t>
                       </a:r>
+                    </a:p>
+                    <a:p>
+                      <a:pPr marL="0" marR="0" lvl="0" indent="0" algn="l" defTabSz="755934" rtl="0" eaLnBrk="1" fontAlgn="auto" latinLnBrk="0" hangingPunct="1">
+                        <a:lnSpc>
+                          <a:spcPct val="90000"/>
+                        </a:lnSpc>
+                        <a:spcBef>
+                          <a:spcPts val="0"/>
+                        </a:spcBef>
+                        <a:spcAft>
+                          <a:spcPts val="0"/>
+                        </a:spcAft>
+                        <a:buClrTx/>
+                        <a:buSzTx/>
+                        <a:buFontTx/>
+                        <a:buNone/>
+                        <a:tabLst/>
+                        <a:defRPr/>
+                      </a:pPr>
+                      <a:endParaRPr lang="fr-FR" sz="700" b="1" kern="1200" dirty="0">
+                        <a:solidFill>
+                          <a:srgbClr val="B9A049"/>
+                        </a:solidFill>
+                        <a:latin typeface="+mn-lt"/>
+                        <a:ea typeface="+mn-ea"/>
+                        <a:cs typeface="+mn-cs"/>
+                      </a:endParaRPr>
                     </a:p>
                   </a:txBody>
                   <a:tcPr marL="72000" marR="72000" marT="46800" marB="46800" anchor="ctr" horzOverflow="overflow">
@@ -6668,7 +6880,7 @@
                 </a:tc>
                 <a:extLst>
                   <a:ext uri="{0D108BD9-81ED-4DB2-BD59-A6C34878D82A}">
-                    <a16:rowId xmlns:a16="http://schemas.microsoft.com/office/drawing/2014/main" val="3895480035"/>
+                    <a16:rowId xmlns:a16="http://schemas.microsoft.com/office/drawing/2014/main" val="1150567702"/>
                   </a:ext>
                 </a:extLst>
               </a:tr>
@@ -7445,7 +7657,7 @@
                         <a:defRPr/>
                       </a:pPr>
                       <a:r>
-                        <a:rPr kumimoji="0" lang="fr-FR" sz="800" b="1" i="0" u="none" strike="noStrike" kern="1200" cap="none" spc="0" normalizeH="0" baseline="0" noProof="0" dirty="0">
+                        <a:rPr kumimoji="0" lang="fr-FR" sz="800" b="1" i="0" u="none" strike="noStrike" kern="1200" cap="none" spc="0" normalizeH="0" baseline="0">
                           <a:ln>
                             <a:noFill/>
                           </a:ln>
@@ -7459,95 +7671,10 @@
                           <a:ea typeface="+mn-ea"/>
                           <a:cs typeface="+mn-cs"/>
                         </a:rPr>
-                        <a:t>&lt;SJR1&gt; &lt;NOMSOUSJACENT&gt; </a:t>
+                        <a:t>&lt;SJR6&gt; &lt;</a:t>
                       </a:r>
                       <a:r>
-                        <a:rPr kumimoji="0" lang="fr-FR" sz="800" b="0" i="0" u="none" strike="noStrike" kern="1200" cap="none" spc="0" normalizeH="0" baseline="0" noProof="0" dirty="0">
-                          <a:ln>
-                            <a:noFill/>
-                          </a:ln>
-                          <a:solidFill>
-                            <a:schemeClr val="tx1"/>
-                          </a:solidFill>
-                          <a:effectLst/>
-                          <a:uLnTx/>
-                          <a:uFillTx/>
-                          <a:latin typeface="Proxima Nova Rg" panose="02000506030000020004" pitchFamily="2" charset="0"/>
-                          <a:ea typeface="+mn-ea"/>
-                          <a:cs typeface="+mn-cs"/>
-                        </a:rPr>
-                        <a:t>(</a:t>
-                      </a:r>
-                      <a:r>
-                        <a:rPr kumimoji="0" lang="fr-FR" sz="800" b="1" i="0" u="none" strike="noStrike" kern="1200" cap="none" spc="0" normalizeH="0" baseline="0" noProof="0" dirty="0">
-                          <a:ln>
-                            <a:noFill/>
-                          </a:ln>
-                          <a:solidFill>
-                            <a:schemeClr val="tx1"/>
-                          </a:solidFill>
-                          <a:effectLst/>
-                          <a:uLnTx/>
-                          <a:uFillTx/>
-                          <a:latin typeface="Proxima Nova Rg" panose="02000506030000020004" pitchFamily="2" charset="0"/>
-                          <a:ea typeface="+mn-ea"/>
-                          <a:cs typeface="+mn-cs"/>
-                        </a:rPr>
-                        <a:t>&lt;DIVIDENDE&gt; </a:t>
-                      </a:r>
-                      <a:r>
-                        <a:rPr kumimoji="0" lang="fr-FR" sz="800" b="0" i="0" u="none" strike="noStrike" kern="1200" cap="none" spc="0" normalizeH="0" baseline="0" noProof="0" dirty="0">
-                          <a:ln>
-                            <a:noFill/>
-                          </a:ln>
-                          <a:solidFill>
-                            <a:schemeClr val="tx1"/>
-                          </a:solidFill>
-                          <a:effectLst/>
-                          <a:uLnTx/>
-                          <a:uFillTx/>
-                          <a:latin typeface="Proxima Nova Rg" panose="02000506030000020004" pitchFamily="2" charset="0"/>
-                          <a:ea typeface="+mn-ea"/>
-                          <a:cs typeface="+mn-cs"/>
-                        </a:rPr>
-                        <a:t>; code Bloomberg : &lt;TICKER&gt; ; &lt;sponsor&gt; : &lt;SPONSOR&gt; ; </a:t>
-                      </a:r>
-                      <a:r>
-                        <a:rPr kumimoji="0" lang="fr-FR" sz="800" b="0" i="0" u="sng" strike="noStrike" kern="1200" cap="none" spc="0" normalizeH="0" baseline="0" noProof="0" dirty="0">
-                          <a:ln>
-                            <a:noFill/>
-                          </a:ln>
-                          <a:solidFill>
-                            <a:srgbClr val="B9A049"/>
-                          </a:solidFill>
-                          <a:effectLst/>
-                          <a:uLnTx/>
-                          <a:uFillTx/>
-                          <a:latin typeface="Proxima Nova Rg" panose="02000506030000020004" pitchFamily="2" charset="0"/>
-                          <a:ea typeface="+mn-ea"/>
-                          <a:cs typeface="+mn-cs"/>
-                        </a:rPr>
-                        <a:t>&lt;SITE&gt;</a:t>
-                      </a:r>
-                      <a:r>
-                        <a:rPr kumimoji="0" lang="fr-FR" sz="800" b="0" i="0" u="none" strike="noStrike" kern="1200" cap="none" spc="0" normalizeH="0" baseline="0" noProof="0" dirty="0">
-                          <a:ln>
-                            <a:noFill/>
-                          </a:ln>
-                          <a:solidFill>
-                            <a:schemeClr val="tx1"/>
-                          </a:solidFill>
-                          <a:effectLst/>
-                          <a:uLnTx/>
-                          <a:uFillTx/>
-                          <a:latin typeface="Proxima Nova Rg" panose="02000506030000020004" pitchFamily="2" charset="0"/>
-                          <a:ea typeface="+mn-ea"/>
-                          <a:cs typeface="+mn-cs"/>
-                        </a:rPr>
-                        <a:t>)</a:t>
-                      </a:r>
-                      <a:r>
-                        <a:rPr kumimoji="0" lang="fr-FR" sz="800" b="0" i="0" u="none" strike="noStrike" kern="1200" cap="none" spc="0" normalizeH="0" baseline="0" noProof="0" dirty="0">
+                        <a:rPr kumimoji="0" lang="fr-FR" sz="800" b="1" i="0" u="none" strike="noStrike" kern="1200" cap="none" spc="0" normalizeH="0" baseline="0" dirty="0">
                           <a:ln>
                             <a:noFill/>
                           </a:ln>
@@ -7561,8 +7688,9 @@
                           <a:ea typeface="+mn-ea"/>
                           <a:cs typeface="+mn-cs"/>
                         </a:rPr>
-                        <a:t>.</a:t>
+                        <a:t>BLOCDIVIDENDE&gt;.</a:t>
                       </a:r>
+                      <a:endParaRPr lang="fr-FR" sz="800" noProof="0" dirty="0"/>
                     </a:p>
                   </a:txBody>
                   <a:tcPr marL="72000" marR="72000" marT="46800" marB="46800" anchor="ctr" horzOverflow="overflow">
@@ -14880,7 +15008,7 @@
               <a:defRPr/>
             </a:pPr>
             <a:r>
-              <a:rPr kumimoji="0" lang="fr-FR" b="0" i="1" u="none" strike="noStrike" kern="1200" cap="none" spc="0" normalizeH="0" baseline="0" noProof="0" dirty="0">
+              <a:rPr kumimoji="0" lang="fr-FR" sz="800" b="0" i="1" u="none" strike="noStrike" kern="1200" cap="none" spc="0" normalizeH="0" baseline="0" noProof="0" dirty="0">
                 <a:ln>
                   <a:noFill/>
                 </a:ln>
@@ -14897,7 +15025,7 @@
               <a:t>Les titres de créance «</a:t>
             </a:r>
             <a:r>
-              <a:rPr kumimoji="0" lang="fr-FR" b="1" i="1" u="none" strike="noStrike" kern="1200" cap="none" spc="0" normalizeH="0" baseline="0" noProof="0" dirty="0">
+              <a:rPr kumimoji="0" lang="fr-FR" sz="800" b="1" i="1" u="none" strike="noStrike" kern="1200" cap="none" spc="0" normalizeH="0" baseline="0" noProof="0" dirty="0">
                 <a:ln>
                   <a:noFill/>
                 </a:ln>
@@ -14914,7 +15042,7 @@
               <a:t> </a:t>
             </a:r>
             <a:r>
-              <a:rPr kumimoji="0" lang="fr-FR" b="0" i="1" u="none" strike="noStrike" kern="1200" cap="none" spc="0" normalizeH="0" baseline="0" noProof="0" dirty="0">
+              <a:rPr kumimoji="0" lang="fr-FR" sz="800" b="0" i="1" u="none" strike="noStrike" kern="1200" cap="none" spc="0" normalizeH="0" baseline="0" noProof="0" dirty="0">
                 <a:ln>
                   <a:noFill/>
                 </a:ln>
@@ -14931,7 +15059,7 @@
               <a:t>&lt;NOM&gt; » peuvent être proposés comme un actif représentatif d’une unité de compte dans le cadre de contrats d’assurance vie et/ou de capitalisation. L’Assureur s’engage sur le nombre d’unités de compte mais pas sur leur valeur, qu’il ne garantit pas. La présente brochure décrit les caractéristiques du support « &lt;NOM&gt; » et ne prend pas en compte les spécificités des contrats d’assurance vie ou de capitalisation dans le cadre desquels ce produit est proposé. </a:t>
             </a:r>
             <a:r>
-              <a:rPr kumimoji="0" lang="fr-FR" b="1" i="1" u="none" strike="noStrike" kern="1200" cap="none" spc="0" normalizeH="0" baseline="0" noProof="0" dirty="0">
+              <a:rPr kumimoji="0" lang="fr-FR" sz="800" b="1" i="1" u="none" strike="noStrike" kern="1200" cap="none" spc="0" normalizeH="0" baseline="0" noProof="0" dirty="0">
                 <a:ln>
                   <a:noFill/>
                 </a:ln>
@@ -18323,7 +18451,7 @@
               <a:buNone/>
             </a:pPr>
             <a:r>
-              <a:rPr lang="fr-FR" sz="900" b="1" dirty="0">
+              <a:rPr lang="fr-FR" sz="1100" b="1" dirty="0">
                 <a:solidFill>
                   <a:srgbClr val="B9A049"/>
                 </a:solidFill>
@@ -19448,7 +19576,7 @@
           <a:p>
             <a:pPr lvl="1" algn="just"/>
             <a:r>
-              <a:rPr lang="fr-FR" sz="900" b="1" cap="none" dirty="0">
+              <a:rPr lang="fr-FR" sz="1100" b="1" cap="none" dirty="0">
                 <a:solidFill>
                   <a:srgbClr val="B9A049"/>
                 </a:solidFill>
@@ -21016,8 +21144,8 @@
         </p:nvSpPr>
         <p:spPr>
           <a:xfrm>
-            <a:off x="1486485" y="5474452"/>
-            <a:ext cx="5025383" cy="394705"/>
+            <a:off x="1486485" y="5412127"/>
+            <a:ext cx="5025383" cy="519355"/>
           </a:xfrm>
           <a:prstGeom prst="rect">
             <a:avLst/>
@@ -21227,12 +21355,28 @@
             <a:r>
               <a:rPr lang="fr-FR" dirty="0">
                 <a:solidFill>
-                  <a:srgbClr val="FF0000"/>
+                  <a:schemeClr val="tx1"/>
                 </a:solidFill>
                 <a:latin typeface="Proxima Nova Rg" panose="02000506030000020004" pitchFamily="2" charset="0"/>
               </a:rPr>
               <a:t>&lt;Mémoire&gt;</a:t>
             </a:r>
+          </a:p>
+          <a:p>
+            <a:pPr defTabSz="1042988" fontAlgn="base">
+              <a:spcBef>
+                <a:spcPct val="0"/>
+              </a:spcBef>
+              <a:spcAft>
+                <a:spcPct val="0"/>
+              </a:spcAft>
+            </a:pPr>
+            <a:endParaRPr lang="fr-FR" dirty="0">
+              <a:solidFill>
+                <a:schemeClr val="tx1"/>
+              </a:solidFill>
+              <a:latin typeface="Proxima Nova Rg" panose="02000506030000020004" pitchFamily="2" charset="0"/>
+            </a:endParaRPr>
           </a:p>
         </p:txBody>
       </p:sp>
@@ -21562,7 +21706,13 @@
               <a:rPr lang="fr-FR" dirty="0">
                 <a:latin typeface="Proxima Nova Rg" panose="02000506030000020004" pitchFamily="2" charset="0"/>
               </a:rPr>
-              <a:t>Aucun coupon</a:t>
+              <a:t>Aucun coupon n’est mis </a:t>
+            </a:r>
+            <a:r>
+              <a:rPr lang="fr-FR">
+                <a:latin typeface="Proxima Nova Rg" panose="02000506030000020004" pitchFamily="2" charset="0"/>
+              </a:rPr>
+              <a:t>en mémoire</a:t>
             </a:r>
             <a:endParaRPr lang="fr-FR" dirty="0">
               <a:solidFill>
@@ -22743,7 +22893,7 @@
                   <a:schemeClr val="tx2"/>
                 </a:solidFill>
               </a:rPr>
-              <a:t>clôture à un &lt;SJR3&gt; strictement inférieur à &lt;PDI&gt; de son &lt;SJR3&gt; de Référence, l’investisseur reçoit, le &lt;DEC&gt;</a:t>
+              <a:t>clôture à un &lt;SJR3&gt; strictement inférieur à &lt;PDI&gt; de son &lt;SJR3&gt; de Référence, l’investisseur reçoit, le &lt;DEC&gt; :</a:t>
             </a:r>
           </a:p>
         </p:txBody>
@@ -25140,7 +25290,7 @@
                 <a:effectLst/>
                 <a:ea typeface="Calibri" panose="020F0502020204030204" pitchFamily="34" charset="0"/>
               </a:rPr>
-              <a:t>&lt;ABAC&gt; &lt;EBAC&gt; &lt;DESONNDR&gt; </a:t>
+              <a:t>&lt;ABAC&gt; &lt;EBAC&gt; &lt;DESONNDR&gt;</a:t>
             </a:r>
             <a:r>
               <a:rPr lang="fr-FR" sz="800" b="1" dirty="0">
@@ -28513,7 +28663,7 @@
                   <a:schemeClr val="tx2"/>
                 </a:solidFill>
               </a:rPr>
-              <a:t>(&lt;NSF&gt; dans cet exemple). Le produit est automatiquement remboursé par anticipation. Il verse alors l’intégralité du capital initial majorée d’un &lt;GC&gt; de &lt;CPN&gt; par &lt;F0&gt; &lt;F2&gt; depuis le &lt;DDCI&gt;, soit un gain de </a:t>
+              <a:t>(&lt;NSF&gt; dans cet exemple). Le produit est automatiquement remboursé par anticipation. Il verse alors l’intégralité du capital initial majorée d’un &lt;GC&gt; de &lt;CPN&gt; par &lt;F0&gt; &lt;F2&gt; depuis le &lt;2PDC&gt;, soit un gain de </a:t>
             </a:r>
             <a:r>
               <a:rPr lang="fr-FR" sz="800" dirty="0">
@@ -28633,7 +28783,7 @@
                   <a:schemeClr val="tx2"/>
                 </a:solidFill>
               </a:rPr>
-              <a:t>mécanisme de plafonnement des gains à &lt;CPN&gt; par &lt;F0&gt; &lt;F2&gt; depuis le &lt;DDCI_MAJ&gt;.</a:t>
+              <a:t>mécanisme de plafonnement des gains à &lt;CPN&gt; par &lt;F0&gt; &lt;F2&gt; depuis le &lt;2PDC_MAJ&gt;.</a:t>
             </a:r>
           </a:p>
         </p:txBody>
@@ -28725,7 +28875,7 @@
         <p:spPr>
           <a:xfrm>
             <a:off x="771017" y="7745720"/>
-            <a:ext cx="4056888" cy="369332"/>
+            <a:ext cx="1433703" cy="369332"/>
           </a:xfrm>
           <a:prstGeom prst="rect">
             <a:avLst/>
@@ -29500,6 +29650,14 @@
 </file>
 
 <file path=customXml/item2.xml><?xml version="1.0" encoding="utf-8"?>
+<p:properties xmlns:p="http://schemas.microsoft.com/office/2006/metadata/properties" xmlns:xsi="http://www.w3.org/2001/XMLSchema-instance" xmlns:pc="http://schemas.microsoft.com/office/infopath/2007/PartnerControls">
+  <documentManagement>
+    <_Flow_SignoffStatus xmlns="ef624bc2-1644-4d69-8362-5c28ca496374" xsi:nil="true"/>
+  </documentManagement>
+</p:properties>
+</file>
+
+<file path=customXml/item3.xml><?xml version="1.0" encoding="utf-8"?>
 <ct:contentTypeSchema xmlns:ct="http://schemas.microsoft.com/office/2006/metadata/contentType" xmlns:ma="http://schemas.microsoft.com/office/2006/metadata/properties/metaAttributes" ct:_="" ma:_="" ma:contentTypeName="Document" ma:contentTypeID="0x0101005DDE610BC516E448BB8152259F39635A" ma:contentTypeVersion="13" ma:contentTypeDescription="Crée un document." ma:contentTypeScope="" ma:versionID="4e51a0dab1f5d4663d954168d546c586">
   <xsd:schema xmlns:xsd="http://www.w3.org/2001/XMLSchema" xmlns:xs="http://www.w3.org/2001/XMLSchema" xmlns:p="http://schemas.microsoft.com/office/2006/metadata/properties" xmlns:ns2="ef624bc2-1644-4d69-8362-5c28ca496374" xmlns:ns3="514a554b-82b0-4359-b247-fc84018a95f0" targetNamespace="http://schemas.microsoft.com/office/2006/metadata/properties" ma:root="true" ma:fieldsID="d7b51e5f287975310341ecd8502634d3" ns2:_="" ns3:_="">
     <xsd:import namespace="ef624bc2-1644-4d69-8362-5c28ca496374"/>
@@ -29722,14 +29880,6 @@
 </ct:contentTypeSchema>
 </file>
 
-<file path=customXml/item3.xml><?xml version="1.0" encoding="utf-8"?>
-<p:properties xmlns:p="http://schemas.microsoft.com/office/2006/metadata/properties" xmlns:xsi="http://www.w3.org/2001/XMLSchema-instance" xmlns:pc="http://schemas.microsoft.com/office/infopath/2007/PartnerControls">
-  <documentManagement>
-    <_Flow_SignoffStatus xmlns="ef624bc2-1644-4d69-8362-5c28ca496374" xsi:nil="true"/>
-  </documentManagement>
-</p:properties>
-</file>
-
 <file path=customXml/itemProps1.xml><?xml version="1.0" encoding="utf-8"?>
 <ds:datastoreItem xmlns:ds="http://schemas.openxmlformats.org/officeDocument/2006/customXml" ds:itemID="{B00FC41E-FBDE-42E2-B58A-20EBD240A376}">
   <ds:schemaRefs>
@@ -29739,6 +29889,23 @@
 </file>
 
 <file path=customXml/itemProps2.xml><?xml version="1.0" encoding="utf-8"?>
+<ds:datastoreItem xmlns:ds="http://schemas.openxmlformats.org/officeDocument/2006/customXml" ds:itemID="{25DE574B-2CD2-4078-9BEA-2A14717D9698}">
+  <ds:schemaRefs>
+    <ds:schemaRef ds:uri="http://schemas.microsoft.com/office/2006/documentManagement/types"/>
+    <ds:schemaRef ds:uri="ef624bc2-1644-4d69-8362-5c28ca496374"/>
+    <ds:schemaRef ds:uri="http://purl.org/dc/terms/"/>
+    <ds:schemaRef ds:uri="http://purl.org/dc/dcmitype/"/>
+    <ds:schemaRef ds:uri="http://schemas.microsoft.com/office/infopath/2007/PartnerControls"/>
+    <ds:schemaRef ds:uri="http://schemas.openxmlformats.org/package/2006/metadata/core-properties"/>
+    <ds:schemaRef ds:uri="514a554b-82b0-4359-b247-fc84018a95f0"/>
+    <ds:schemaRef ds:uri="http://schemas.microsoft.com/office/2006/metadata/properties"/>
+    <ds:schemaRef ds:uri="http://www.w3.org/XML/1998/namespace"/>
+    <ds:schemaRef ds:uri="http://purl.org/dc/elements/1.1/"/>
+  </ds:schemaRefs>
+</ds:datastoreItem>
+</file>
+
+<file path=customXml/itemProps3.xml><?xml version="1.0" encoding="utf-8"?>
 <ds:datastoreItem xmlns:ds="http://schemas.openxmlformats.org/officeDocument/2006/customXml" ds:itemID="{41EF0323-6FE8-41A6-BEA1-CC5178579BBD}">
   <ds:schemaRefs>
     <ds:schemaRef ds:uri="http://schemas.microsoft.com/office/2006/metadata/contentType"/>
@@ -29755,21 +29922,4 @@
     <ds:schemaRef ds:uri="http://schemas.microsoft.com/internal/obd"/>
   </ds:schemaRefs>
 </ds:datastoreItem>
-</file>
-
-<file path=customXml/itemProps3.xml><?xml version="1.0" encoding="utf-8"?>
-<ds:datastoreItem xmlns:ds="http://schemas.openxmlformats.org/officeDocument/2006/customXml" ds:itemID="{25DE574B-2CD2-4078-9BEA-2A14717D9698}">
-  <ds:schemaRefs>
-    <ds:schemaRef ds:uri="http://schemas.microsoft.com/office/2006/documentManagement/types"/>
-    <ds:schemaRef ds:uri="ef624bc2-1644-4d69-8362-5c28ca496374"/>
-    <ds:schemaRef ds:uri="http://purl.org/dc/terms/"/>
-    <ds:schemaRef ds:uri="http://purl.org/dc/dcmitype/"/>
-    <ds:schemaRef ds:uri="http://schemas.microsoft.com/office/infopath/2007/PartnerControls"/>
-    <ds:schemaRef ds:uri="http://schemas.openxmlformats.org/package/2006/metadata/core-properties"/>
-    <ds:schemaRef ds:uri="514a554b-82b0-4359-b247-fc84018a95f0"/>
-    <ds:schemaRef ds:uri="http://schemas.microsoft.com/office/2006/metadata/properties"/>
-    <ds:schemaRef ds:uri="http://www.w3.org/XML/1998/namespace"/>
-    <ds:schemaRef ds:uri="http://purl.org/dc/elements/1.1/"/>
-  </ds:schemaRefs>
-</ds:datastoreItem>
 </file>